--- a/fig/aws-enterprise-v02.pptx
+++ b/fig/aws-enterprise-v02.pptx
@@ -193,7 +193,7 @@
           <a:p>
             <a:fld id="{B2B5ABE0-9405-7B4D-B9EA-CE78F3455015}" type="datetimeFigureOut">
               <a:rPr lang="en-US" smtClean="0"/>
-              <a:t>6/22/16</a:t>
+              <a:t>6/28/16</a:t>
             </a:fld>
             <a:endParaRPr lang="en-US"/>
           </a:p>
@@ -1174,7 +1174,7 @@
           <a:p>
             <a:fld id="{61EC71F1-B3E0-DD4C-B030-8B42C148BEB6}" type="datetimeFigureOut">
               <a:rPr lang="en-US" smtClean="0"/>
-              <a:t>6/22/16</a:t>
+              <a:t>6/28/16</a:t>
             </a:fld>
             <a:endParaRPr lang="en-US"/>
           </a:p>
@@ -1344,7 +1344,7 @@
           <a:p>
             <a:fld id="{61EC71F1-B3E0-DD4C-B030-8B42C148BEB6}" type="datetimeFigureOut">
               <a:rPr lang="en-US" smtClean="0"/>
-              <a:t>6/22/16</a:t>
+              <a:t>6/28/16</a:t>
             </a:fld>
             <a:endParaRPr lang="en-US"/>
           </a:p>
@@ -1524,7 +1524,7 @@
           <a:p>
             <a:fld id="{61EC71F1-B3E0-DD4C-B030-8B42C148BEB6}" type="datetimeFigureOut">
               <a:rPr lang="en-US" smtClean="0"/>
-              <a:t>6/22/16</a:t>
+              <a:t>6/28/16</a:t>
             </a:fld>
             <a:endParaRPr lang="en-US"/>
           </a:p>
@@ -1694,7 +1694,7 @@
           <a:p>
             <a:fld id="{61EC71F1-B3E0-DD4C-B030-8B42C148BEB6}" type="datetimeFigureOut">
               <a:rPr lang="en-US" smtClean="0"/>
-              <a:t>6/22/16</a:t>
+              <a:t>6/28/16</a:t>
             </a:fld>
             <a:endParaRPr lang="en-US"/>
           </a:p>
@@ -1940,7 +1940,7 @@
           <a:p>
             <a:fld id="{61EC71F1-B3E0-DD4C-B030-8B42C148BEB6}" type="datetimeFigureOut">
               <a:rPr lang="en-US" smtClean="0"/>
-              <a:t>6/22/16</a:t>
+              <a:t>6/28/16</a:t>
             </a:fld>
             <a:endParaRPr lang="en-US"/>
           </a:p>
@@ -2228,7 +2228,7 @@
           <a:p>
             <a:fld id="{61EC71F1-B3E0-DD4C-B030-8B42C148BEB6}" type="datetimeFigureOut">
               <a:rPr lang="en-US" smtClean="0"/>
-              <a:t>6/22/16</a:t>
+              <a:t>6/28/16</a:t>
             </a:fld>
             <a:endParaRPr lang="en-US"/>
           </a:p>
@@ -2650,7 +2650,7 @@
           <a:p>
             <a:fld id="{61EC71F1-B3E0-DD4C-B030-8B42C148BEB6}" type="datetimeFigureOut">
               <a:rPr lang="en-US" smtClean="0"/>
-              <a:t>6/22/16</a:t>
+              <a:t>6/28/16</a:t>
             </a:fld>
             <a:endParaRPr lang="en-US"/>
           </a:p>
@@ -2768,7 +2768,7 @@
           <a:p>
             <a:fld id="{61EC71F1-B3E0-DD4C-B030-8B42C148BEB6}" type="datetimeFigureOut">
               <a:rPr lang="en-US" smtClean="0"/>
-              <a:t>6/22/16</a:t>
+              <a:t>6/28/16</a:t>
             </a:fld>
             <a:endParaRPr lang="en-US"/>
           </a:p>
@@ -2863,7 +2863,7 @@
           <a:p>
             <a:fld id="{61EC71F1-B3E0-DD4C-B030-8B42C148BEB6}" type="datetimeFigureOut">
               <a:rPr lang="en-US" smtClean="0"/>
-              <a:t>6/22/16</a:t>
+              <a:t>6/28/16</a:t>
             </a:fld>
             <a:endParaRPr lang="en-US"/>
           </a:p>
@@ -3140,7 +3140,7 @@
           <a:p>
             <a:fld id="{61EC71F1-B3E0-DD4C-B030-8B42C148BEB6}" type="datetimeFigureOut">
               <a:rPr lang="en-US" smtClean="0"/>
-              <a:t>6/22/16</a:t>
+              <a:t>6/28/16</a:t>
             </a:fld>
             <a:endParaRPr lang="en-US"/>
           </a:p>
@@ -3393,7 +3393,7 @@
           <a:p>
             <a:fld id="{61EC71F1-B3E0-DD4C-B030-8B42C148BEB6}" type="datetimeFigureOut">
               <a:rPr lang="en-US" smtClean="0"/>
-              <a:t>6/22/16</a:t>
+              <a:t>6/28/16</a:t>
             </a:fld>
             <a:endParaRPr lang="en-US"/>
           </a:p>
@@ -3606,7 +3606,7 @@
           <a:p>
             <a:fld id="{61EC71F1-B3E0-DD4C-B030-8B42C148BEB6}" type="datetimeFigureOut">
               <a:rPr lang="en-US" smtClean="0"/>
-              <a:t>6/22/16</a:t>
+              <a:t>6/28/16</a:t>
             </a:fld>
             <a:endParaRPr lang="en-US"/>
           </a:p>
@@ -3981,6 +3981,161 @@
           <a:chExt cx="0" cy="0"/>
         </a:xfrm>
       </p:grpSpPr>
+      <p:sp>
+        <p:nvSpPr>
+          <p:cNvPr id="141" name="Rounded Rectangle 140"/>
+          <p:cNvSpPr/>
+          <p:nvPr/>
+        </p:nvSpPr>
+        <p:spPr>
+          <a:xfrm>
+            <a:off x="2510139" y="1949355"/>
+            <a:ext cx="1348375" cy="463487"/>
+          </a:xfrm>
+          <a:prstGeom prst="roundRect">
+            <a:avLst>
+              <a:gd name="adj" fmla="val 9818"/>
+            </a:avLst>
+          </a:prstGeom>
+          <a:solidFill>
+            <a:srgbClr val="BFBFBF"/>
+          </a:solidFill>
+          <a:ln w="6350">
+            <a:solidFill>
+              <a:schemeClr val="tx1"/>
+            </a:solidFill>
+            <a:prstDash val="solid"/>
+          </a:ln>
+          <a:effectLst/>
+        </p:spPr>
+        <p:style>
+          <a:lnRef idx="1">
+            <a:schemeClr val="accent1"/>
+          </a:lnRef>
+          <a:fillRef idx="3">
+            <a:schemeClr val="accent1"/>
+          </a:fillRef>
+          <a:effectRef idx="2">
+            <a:schemeClr val="accent1"/>
+          </a:effectRef>
+          <a:fontRef idx="minor">
+            <a:schemeClr val="lt1"/>
+          </a:fontRef>
+        </p:style>
+        <p:txBody>
+          <a:bodyPr anchor="t"/>
+          <a:lstStyle>
+            <a:lvl1pPr>
+              <a:defRPr>
+                <a:solidFill>
+                  <a:schemeClr val="lt1"/>
+                </a:solidFill>
+                <a:latin typeface="+mn-lt"/>
+                <a:ea typeface="+mn-ea"/>
+                <a:cs typeface="+mn-cs"/>
+              </a:defRPr>
+            </a:lvl1pPr>
+            <a:lvl2pPr>
+              <a:defRPr>
+                <a:solidFill>
+                  <a:schemeClr val="lt1"/>
+                </a:solidFill>
+                <a:latin typeface="+mn-lt"/>
+                <a:ea typeface="+mn-ea"/>
+                <a:cs typeface="+mn-cs"/>
+              </a:defRPr>
+            </a:lvl2pPr>
+            <a:lvl3pPr>
+              <a:defRPr>
+                <a:solidFill>
+                  <a:schemeClr val="lt1"/>
+                </a:solidFill>
+                <a:latin typeface="+mn-lt"/>
+                <a:ea typeface="+mn-ea"/>
+                <a:cs typeface="+mn-cs"/>
+              </a:defRPr>
+            </a:lvl3pPr>
+            <a:lvl4pPr>
+              <a:defRPr>
+                <a:solidFill>
+                  <a:schemeClr val="lt1"/>
+                </a:solidFill>
+                <a:latin typeface="+mn-lt"/>
+                <a:ea typeface="+mn-ea"/>
+                <a:cs typeface="+mn-cs"/>
+              </a:defRPr>
+            </a:lvl4pPr>
+            <a:lvl5pPr>
+              <a:defRPr>
+                <a:solidFill>
+                  <a:schemeClr val="lt1"/>
+                </a:solidFill>
+                <a:latin typeface="+mn-lt"/>
+                <a:ea typeface="+mn-ea"/>
+                <a:cs typeface="+mn-cs"/>
+              </a:defRPr>
+            </a:lvl5pPr>
+            <a:lvl6pPr>
+              <a:defRPr>
+                <a:solidFill>
+                  <a:schemeClr val="lt1"/>
+                </a:solidFill>
+                <a:latin typeface="+mn-lt"/>
+                <a:ea typeface="+mn-ea"/>
+                <a:cs typeface="+mn-cs"/>
+              </a:defRPr>
+            </a:lvl6pPr>
+            <a:lvl7pPr>
+              <a:defRPr>
+                <a:solidFill>
+                  <a:schemeClr val="lt1"/>
+                </a:solidFill>
+                <a:latin typeface="+mn-lt"/>
+                <a:ea typeface="+mn-ea"/>
+                <a:cs typeface="+mn-cs"/>
+              </a:defRPr>
+            </a:lvl7pPr>
+            <a:lvl8pPr>
+              <a:defRPr>
+                <a:solidFill>
+                  <a:schemeClr val="lt1"/>
+                </a:solidFill>
+                <a:latin typeface="+mn-lt"/>
+                <a:ea typeface="+mn-ea"/>
+                <a:cs typeface="+mn-cs"/>
+              </a:defRPr>
+            </a:lvl8pPr>
+            <a:lvl9pPr>
+              <a:defRPr>
+                <a:solidFill>
+                  <a:schemeClr val="lt1"/>
+                </a:solidFill>
+                <a:latin typeface="+mn-lt"/>
+                <a:ea typeface="+mn-ea"/>
+                <a:cs typeface="+mn-cs"/>
+              </a:defRPr>
+            </a:lvl9pPr>
+          </a:lstStyle>
+          <a:p>
+            <a:pPr fontAlgn="auto">
+              <a:spcBef>
+                <a:spcPts val="0"/>
+              </a:spcBef>
+              <a:spcAft>
+                <a:spcPts val="0"/>
+              </a:spcAft>
+              <a:defRPr/>
+            </a:pPr>
+            <a:endParaRPr lang="en-US" sz="1200" kern="1200" dirty="0">
+              <a:solidFill>
+                <a:schemeClr val="tx1"/>
+              </a:solidFill>
+              <a:latin typeface="Open Sans Light"/>
+              <a:cs typeface="Open Sans Light"/>
+            </a:endParaRPr>
+          </a:p>
+        </p:txBody>
+      </p:sp>
       <p:cxnSp>
         <p:nvCxnSpPr>
           <p:cNvPr id="131" name="Straight Connector 130"/>
@@ -4237,7 +4392,7 @@
         </p:nvSpPr>
         <p:spPr>
           <a:xfrm>
-            <a:off x="196356" y="2163325"/>
+            <a:off x="234714" y="1822365"/>
             <a:ext cx="1523757" cy="276999"/>
           </a:xfrm>
           <a:prstGeom prst="rect">
@@ -4277,8 +4432,8 @@
         </p:nvCxnSpPr>
         <p:spPr>
           <a:xfrm rot="10800000" flipH="1" flipV="1">
-            <a:off x="611569" y="2609913"/>
-            <a:ext cx="41469" cy="1509628"/>
+            <a:off x="611569" y="2222071"/>
+            <a:ext cx="41469" cy="1897470"/>
           </a:xfrm>
           <a:prstGeom prst="bentConnector3">
             <a:avLst>
@@ -4330,7 +4485,7 @@
         </p:blipFill>
         <p:spPr>
           <a:xfrm>
-            <a:off x="2075474" y="3806100"/>
+            <a:off x="2588162" y="3660475"/>
             <a:ext cx="433410" cy="520092"/>
           </a:xfrm>
           <a:prstGeom prst="rect">
@@ -4452,11 +4607,6 @@
               </a:rPr>
               <a:t>Client DNS</a:t>
             </a:r>
-            <a:endParaRPr lang="en-US" sz="1400" dirty="0" smtClean="0">
-              <a:latin typeface="Open Sans Light" charset="0"/>
-              <a:ea typeface="Open Sans Light" charset="0"/>
-              <a:cs typeface="Open Sans Light" charset="0"/>
-            </a:endParaRPr>
           </a:p>
         </p:txBody>
       </p:sp>
@@ -4544,7 +4694,7 @@
         </p:blipFill>
         <p:spPr>
           <a:xfrm>
-            <a:off x="670417" y="1617345"/>
+            <a:off x="670417" y="1297695"/>
             <a:ext cx="627151" cy="627151"/>
           </a:xfrm>
           <a:prstGeom prst="rect">
@@ -4560,8 +4710,8 @@
         </p:nvSpPr>
         <p:spPr>
           <a:xfrm>
-            <a:off x="2483296" y="4005336"/>
-            <a:ext cx="828681" cy="830997"/>
+            <a:off x="2792231" y="4077039"/>
+            <a:ext cx="592618" cy="276999"/>
           </a:xfrm>
           <a:prstGeom prst="rect">
             <a:avLst/>
@@ -4574,13 +4724,12 @@
           </a:bodyPr>
           <a:lstStyle/>
           <a:p>
-            <a:pPr algn="ctr"/>
             <a:r>
               <a:rPr lang="en-US" sz="1200" b="1" dirty="0" smtClean="0">
                 <a:latin typeface="Open Sans Light"/>
                 <a:cs typeface="Open Sans Light"/>
               </a:rPr>
-              <a:t>Elastic Load Balancer 1</a:t>
+              <a:t>ELB 1</a:t>
             </a:r>
             <a:endParaRPr lang="en-US" sz="1200" b="1" dirty="0">
               <a:latin typeface="Open Sans Light"/>
@@ -4611,7 +4760,7 @@
         </p:blipFill>
         <p:spPr>
           <a:xfrm>
-            <a:off x="2075474" y="5848452"/>
+            <a:off x="2588162" y="5702827"/>
             <a:ext cx="433410" cy="520092"/>
           </a:xfrm>
           <a:prstGeom prst="rect">
@@ -4627,8 +4776,8 @@
         </p:nvSpPr>
         <p:spPr>
           <a:xfrm>
-            <a:off x="2421663" y="6025696"/>
-            <a:ext cx="999021" cy="461665"/>
+            <a:off x="2812161" y="6097399"/>
+            <a:ext cx="654251" cy="276999"/>
           </a:xfrm>
           <a:prstGeom prst="rect">
             <a:avLst/>
@@ -4641,13 +4790,12 @@
           </a:bodyPr>
           <a:lstStyle/>
           <a:p>
-            <a:pPr algn="ctr"/>
             <a:r>
               <a:rPr lang="en-US" sz="1200" b="1" dirty="0" smtClean="0">
                 <a:latin typeface="Open Sans Light"/>
                 <a:cs typeface="Open Sans Light"/>
               </a:rPr>
-              <a:t>Elastic Load Balancer 2</a:t>
+              <a:t>ELB 2</a:t>
             </a:r>
             <a:endParaRPr lang="en-US" sz="1200" b="1" dirty="0">
               <a:latin typeface="Open Sans Light"/>
@@ -4667,7 +4815,7 @@
         </p:nvCxnSpPr>
         <p:spPr>
           <a:xfrm>
-            <a:off x="2292179" y="4326192"/>
+            <a:off x="2804867" y="4180567"/>
             <a:ext cx="0" cy="1522260"/>
           </a:xfrm>
           <a:prstGeom prst="line">
@@ -4706,7 +4854,7 @@
         </p:nvCxnSpPr>
         <p:spPr>
           <a:xfrm flipV="1">
-            <a:off x="2508884" y="4825300"/>
+            <a:off x="3021572" y="4679675"/>
             <a:ext cx="1132065" cy="1283198"/>
           </a:xfrm>
           <a:prstGeom prst="line">
@@ -4849,7 +4997,7 @@
         </p:nvSpPr>
         <p:spPr>
           <a:xfrm>
-            <a:off x="611570" y="2455522"/>
+            <a:off x="611570" y="2067680"/>
             <a:ext cx="800769" cy="308782"/>
           </a:xfrm>
           <a:prstGeom prst="rect">
@@ -4942,7 +5090,7 @@
         </p:nvSpPr>
         <p:spPr>
           <a:xfrm>
-            <a:off x="330696" y="605804"/>
+            <a:off x="761821" y="189943"/>
             <a:ext cx="789937" cy="276999"/>
           </a:xfrm>
           <a:prstGeom prst="rect">
@@ -4956,15 +5104,24 @@
           </a:bodyPr>
           <a:lstStyle/>
           <a:p>
-            <a:pPr algn="ctr"/>
             <a:r>
               <a:rPr lang="en-US" sz="1200" b="1" dirty="0" smtClean="0">
+                <a:solidFill>
+                  <a:schemeClr val="bg1">
+                    <a:lumMod val="75000"/>
+                  </a:schemeClr>
+                </a:solidFill>
                 <a:latin typeface="Open Sans Light"/>
                 <a:cs typeface="Open Sans Light"/>
               </a:rPr>
               <a:t>Admin.</a:t>
             </a:r>
             <a:endParaRPr lang="en-US" sz="1200" b="1" dirty="0">
+              <a:solidFill>
+                <a:schemeClr val="bg1">
+                  <a:lumMod val="75000"/>
+                </a:schemeClr>
+              </a:solidFill>
               <a:latin typeface="Open Sans Light"/>
               <a:cs typeface="Open Sans Light"/>
             </a:endParaRPr>
@@ -5225,7 +5382,7 @@
         </p:blipFill>
         <p:spPr>
           <a:xfrm>
-            <a:off x="3208727" y="3150484"/>
+            <a:off x="3534983" y="3150484"/>
             <a:ext cx="538196" cy="564238"/>
           </a:xfrm>
           <a:prstGeom prst="rect">
@@ -5241,7 +5398,7 @@
         </p:nvSpPr>
         <p:spPr>
           <a:xfrm>
-            <a:off x="3640949" y="3286008"/>
+            <a:off x="3967205" y="3286008"/>
             <a:ext cx="1184084" cy="276999"/>
           </a:xfrm>
           <a:prstGeom prst="rect">
@@ -5280,8 +5437,8 @@
         </p:nvCxnSpPr>
         <p:spPr>
           <a:xfrm flipV="1">
-            <a:off x="3477825" y="2878605"/>
-            <a:ext cx="163124" cy="271879"/>
+            <a:off x="3804081" y="3032899"/>
+            <a:ext cx="269098" cy="117585"/>
           </a:xfrm>
           <a:prstGeom prst="line">
             <a:avLst/>
@@ -5319,8 +5476,8 @@
         </p:nvCxnSpPr>
         <p:spPr>
           <a:xfrm>
-            <a:off x="3477825" y="3714722"/>
-            <a:ext cx="269098" cy="231805"/>
+            <a:off x="3804081" y="3714722"/>
+            <a:ext cx="296389" cy="146196"/>
           </a:xfrm>
           <a:prstGeom prst="line">
             <a:avLst/>
@@ -5612,12 +5769,12 @@
         </p:nvCxnSpPr>
         <p:spPr>
           <a:xfrm rot="5400000" flipH="1" flipV="1">
-            <a:off x="1622508" y="3708493"/>
-            <a:ext cx="51971" cy="1287369"/>
+            <a:off x="1806040" y="3379336"/>
+            <a:ext cx="197596" cy="1800057"/>
           </a:xfrm>
           <a:prstGeom prst="bentConnector3">
             <a:avLst>
-              <a:gd name="adj1" fmla="val -529534"/>
+              <a:gd name="adj1" fmla="val -142658"/>
             </a:avLst>
           </a:prstGeom>
           <a:ln>
@@ -5673,36 +5830,6 @@
           </a:prstGeom>
         </p:spPr>
       </p:pic>
-      <p:pic>
-        <p:nvPicPr>
-          <p:cNvPr id="107" name="Picture 106"/>
-          <p:cNvPicPr>
-            <a:picLocks noChangeAspect="1"/>
-          </p:cNvPicPr>
-          <p:nvPr/>
-        </p:nvPicPr>
-        <p:blipFill>
-          <a:blip r:embed="rId9">
-            <a:extLst>
-              <a:ext uri="{28A0092B-C50C-407E-A947-70E740481C1C}">
-                <a14:useLocalDpi xmlns:a14="http://schemas.microsoft.com/office/drawing/2010/main" val="0"/>
-              </a:ext>
-            </a:extLst>
-          </a:blip>
-          <a:stretch>
-            <a:fillRect/>
-          </a:stretch>
-        </p:blipFill>
-        <p:spPr>
-          <a:xfrm>
-            <a:off x="1551985" y="3259032"/>
-            <a:ext cx="532112" cy="423719"/>
-          </a:xfrm>
-          <a:prstGeom prst="rect">
-            <a:avLst/>
-          </a:prstGeom>
-        </p:spPr>
-      </p:pic>
       <p:sp>
         <p:nvSpPr>
           <p:cNvPr id="115" name="TextBox 114"/>
@@ -5711,7 +5838,7 @@
         </p:nvSpPr>
         <p:spPr>
           <a:xfrm>
-            <a:off x="1138863" y="3175501"/>
+            <a:off x="1049361" y="3201073"/>
             <a:ext cx="517069" cy="276999"/>
           </a:xfrm>
           <a:prstGeom prst="rect">
@@ -5748,7 +5875,7 @@
           <p:nvPr/>
         </p:nvPicPr>
         <p:blipFill>
-          <a:blip r:embed="rId10">
+          <a:blip r:embed="rId9">
             <a:extLst>
               <a:ext uri="{28A0092B-C50C-407E-A947-70E740481C1C}">
                 <a14:useLocalDpi xmlns:a14="http://schemas.microsoft.com/office/drawing/2010/main" val="0"/>
@@ -5761,7 +5888,7 @@
         </p:blipFill>
         <p:spPr>
           <a:xfrm>
-            <a:off x="1720170" y="4435477"/>
+            <a:off x="2209809" y="4385650"/>
             <a:ext cx="430108" cy="450920"/>
           </a:xfrm>
           <a:prstGeom prst="rect">
@@ -5778,7 +5905,7 @@
           <p:nvPr/>
         </p:nvPicPr>
         <p:blipFill>
-          <a:blip r:embed="rId11">
+          <a:blip r:embed="rId10">
             <a:extLst>
               <a:ext uri="{28A0092B-C50C-407E-A947-70E740481C1C}">
                 <a14:useLocalDpi xmlns:a14="http://schemas.microsoft.com/office/drawing/2010/main" val="0"/>
@@ -5791,7 +5918,7 @@
         </p:blipFill>
         <p:spPr>
           <a:xfrm>
-            <a:off x="619081" y="3032899"/>
+            <a:off x="580723" y="3032899"/>
             <a:ext cx="569862" cy="569862"/>
           </a:xfrm>
           <a:prstGeom prst="rect">
@@ -5799,45 +5926,6 @@
           </a:prstGeom>
         </p:spPr>
       </p:pic>
-      <p:cxnSp>
-        <p:nvCxnSpPr>
-          <p:cNvPr id="108" name="Straight Connector 107"/>
-          <p:cNvCxnSpPr>
-            <a:endCxn id="107" idx="1"/>
-          </p:cNvCxnSpPr>
-          <p:nvPr/>
-        </p:nvCxnSpPr>
-        <p:spPr>
-          <a:xfrm>
-            <a:off x="984460" y="3470892"/>
-            <a:ext cx="567525" cy="0"/>
-          </a:xfrm>
-          <a:prstGeom prst="line">
-            <a:avLst/>
-          </a:prstGeom>
-          <a:ln>
-            <a:solidFill>
-              <a:srgbClr val="414042"/>
-            </a:solidFill>
-            <a:tailEnd type="triangle" w="lg" len="lg"/>
-          </a:ln>
-          <a:effectLst/>
-        </p:spPr>
-        <p:style>
-          <a:lnRef idx="2">
-            <a:schemeClr val="accent1"/>
-          </a:lnRef>
-          <a:fillRef idx="0">
-            <a:schemeClr val="accent1"/>
-          </a:fillRef>
-          <a:effectRef idx="1">
-            <a:schemeClr val="accent1"/>
-          </a:effectRef>
-          <a:fontRef idx="minor">
-            <a:schemeClr val="tx1"/>
-          </a:fontRef>
-        </p:style>
-      </p:cxnSp>
       <p:sp>
         <p:nvSpPr>
           <p:cNvPr id="114" name="TextBox 113"/>
@@ -5846,7 +5934,7 @@
         </p:nvSpPr>
         <p:spPr>
           <a:xfrm>
-            <a:off x="1698170" y="4826533"/>
+            <a:off x="1793466" y="4367967"/>
             <a:ext cx="551776" cy="276999"/>
           </a:xfrm>
           <a:prstGeom prst="rect">
@@ -5884,8 +5972,8 @@
         </p:nvCxnSpPr>
         <p:spPr>
           <a:xfrm>
-            <a:off x="898555" y="2821004"/>
-            <a:ext cx="5457" cy="211895"/>
+            <a:off x="860197" y="2337833"/>
+            <a:ext cx="5457" cy="695066"/>
           </a:xfrm>
           <a:prstGeom prst="line">
             <a:avLst/>
@@ -5997,7 +6085,7 @@
         </p:nvSpPr>
         <p:spPr>
           <a:xfrm>
-            <a:off x="2001946" y="3175759"/>
+            <a:off x="1594378" y="3660475"/>
             <a:ext cx="979115" cy="461665"/>
           </a:xfrm>
           <a:prstGeom prst="rect">
@@ -6091,18 +6179,18 @@
       <p:cxnSp>
         <p:nvCxnSpPr>
           <p:cNvPr id="111" name="Straight Connector 110"/>
-          <p:cNvCxnSpPr>
-            <a:stCxn id="107" idx="0"/>
-          </p:cNvCxnSpPr>
+          <p:cNvCxnSpPr/>
           <p:nvPr/>
         </p:nvCxnSpPr>
         <p:spPr>
-          <a:xfrm flipV="1">
-            <a:off x="1818041" y="3073442"/>
-            <a:ext cx="177960" cy="185590"/>
+          <a:xfrm rot="5400000" flipH="1" flipV="1">
+            <a:off x="614945" y="2136197"/>
+            <a:ext cx="1728971" cy="954781"/>
           </a:xfrm>
-          <a:prstGeom prst="line">
-            <a:avLst/>
+          <a:prstGeom prst="bentConnector3">
+            <a:avLst>
+              <a:gd name="adj1" fmla="val 2182"/>
+            </a:avLst>
           </a:prstGeom>
           <a:ln>
             <a:solidFill>
@@ -6279,8 +6367,8 @@
         </p:nvSpPr>
         <p:spPr>
           <a:xfrm>
-            <a:off x="984460" y="796748"/>
-            <a:ext cx="630469" cy="461665"/>
+            <a:off x="898556" y="532504"/>
+            <a:ext cx="758994" cy="461665"/>
           </a:xfrm>
           <a:prstGeom prst="rect">
             <a:avLst/>
@@ -6296,6 +6384,9 @@
             <a:pPr algn="r"/>
             <a:r>
               <a:rPr lang="en-US" sz="1200" b="1" dirty="0" smtClean="0">
+                <a:solidFill>
+                  <a:schemeClr val="accent2"/>
+                </a:solidFill>
                 <a:latin typeface="Open Sans Light"/>
                 <a:cs typeface="Open Sans Light"/>
               </a:rPr>
@@ -6303,18 +6394,27 @@
             </a:r>
             <a:br>
               <a:rPr lang="en-US" sz="1200" b="1" dirty="0" smtClean="0">
+                <a:solidFill>
+                  <a:schemeClr val="accent2"/>
+                </a:solidFill>
                 <a:latin typeface="Open Sans Light"/>
                 <a:cs typeface="Open Sans Light"/>
               </a:rPr>
             </a:br>
             <a:r>
               <a:rPr lang="en-US" sz="1200" b="1" dirty="0" smtClean="0">
+                <a:solidFill>
+                  <a:schemeClr val="accent2"/>
+                </a:solidFill>
                 <a:latin typeface="Open Sans Light"/>
                 <a:cs typeface="Open Sans Light"/>
               </a:rPr>
-              <a:t>&amp; RDP</a:t>
+              <a:t>or RDP</a:t>
             </a:r>
             <a:endParaRPr lang="en-US" sz="1200" b="1" dirty="0">
+              <a:solidFill>
+                <a:schemeClr val="accent2"/>
+              </a:solidFill>
               <a:latin typeface="Open Sans Light"/>
               <a:cs typeface="Open Sans Light"/>
             </a:endParaRPr>
@@ -6391,7 +6491,7 @@
         </p:nvSpPr>
         <p:spPr>
           <a:xfrm>
-            <a:off x="1025463" y="2725176"/>
+            <a:off x="982843" y="2691080"/>
             <a:ext cx="657686" cy="461665"/>
           </a:xfrm>
           <a:prstGeom prst="rect">
@@ -6441,7 +6541,7 @@
         <p:spPr>
           <a:xfrm>
             <a:off x="1842711" y="580270"/>
-            <a:ext cx="1635114" cy="1240160"/>
+            <a:ext cx="1574631" cy="1168827"/>
           </a:xfrm>
           <a:prstGeom prst="roundRect">
             <a:avLst>
@@ -6596,7 +6696,7 @@
           <p:nvPr/>
         </p:nvPicPr>
         <p:blipFill>
-          <a:blip r:embed="rId12">
+          <a:blip r:embed="rId11">
             <a:extLst>
               <a:ext uri="{28A0092B-C50C-407E-A947-70E740481C1C}">
                 <a14:useLocalDpi xmlns:a14="http://schemas.microsoft.com/office/drawing/2010/main" val="0"/>
@@ -6626,7 +6726,7 @@
           <p:nvPr/>
         </p:nvPicPr>
         <p:blipFill>
-          <a:blip r:embed="rId13">
+          <a:blip r:embed="rId12">
             <a:extLst>
               <a:ext uri="{28A0092B-C50C-407E-A947-70E740481C1C}">
                 <a14:useLocalDpi xmlns:a14="http://schemas.microsoft.com/office/drawing/2010/main" val="0"/>
@@ -6639,8 +6739,8 @@
         </p:blipFill>
         <p:spPr>
           <a:xfrm>
-            <a:off x="2059948" y="1038046"/>
-            <a:ext cx="1166068" cy="346343"/>
+            <a:off x="2059948" y="1067880"/>
+            <a:ext cx="1166068" cy="220367"/>
           </a:xfrm>
           <a:prstGeom prst="rect">
             <a:avLst/>
@@ -6655,10 +6755,10 @@
         </p:nvGrpSpPr>
         <p:grpSpPr>
           <a:xfrm>
-            <a:off x="1956939" y="961078"/>
-            <a:ext cx="1355038" cy="681848"/>
-            <a:chOff x="6715596" y="760413"/>
-            <a:chExt cx="1806398" cy="1733550"/>
+            <a:off x="1978021" y="792306"/>
+            <a:ext cx="1373019" cy="845752"/>
+            <a:chOff x="6743700" y="677022"/>
+            <a:chExt cx="1830368" cy="1816941"/>
           </a:xfrm>
         </p:grpSpPr>
         <p:grpSp>
@@ -6717,7 +6817,7 @@
               </a:fontRef>
             </p:style>
             <p:txBody>
-              <a:bodyPr anchor="ctr"/>
+              <a:bodyPr anchor="t"/>
               <a:lstStyle/>
               <a:p>
                 <a:pPr algn="ctr" fontAlgn="auto">
@@ -6779,7 +6879,7 @@
               </a:fontRef>
             </p:style>
             <p:txBody>
-              <a:bodyPr anchor="ctr"/>
+              <a:bodyPr anchor="t"/>
               <a:lstStyle/>
               <a:p>
                 <a:pPr algn="ctr" fontAlgn="auto">
@@ -6812,8 +6912,8 @@
           </p:nvSpPr>
           <p:spPr bwMode="auto">
             <a:xfrm>
-              <a:off x="6715596" y="1765036"/>
-              <a:ext cx="1806398" cy="704250"/>
+              <a:off x="6767670" y="677022"/>
+              <a:ext cx="1806398" cy="511336"/>
             </a:xfrm>
             <a:prstGeom prst="rect">
               <a:avLst/>
@@ -6827,7 +6927,7 @@
             </a:ln>
           </p:spPr>
           <p:txBody>
-            <a:bodyPr wrap="square" anchor="ctr" anchorCtr="0">
+            <a:bodyPr wrap="square" anchor="t" anchorCtr="0">
               <a:spAutoFit/>
             </a:bodyPr>
             <a:lstStyle/>
@@ -6864,7 +6964,7 @@
         </p:nvSpPr>
         <p:spPr>
           <a:xfrm>
-            <a:off x="2059948" y="1086035"/>
+            <a:off x="2059948" y="1039153"/>
             <a:ext cx="1166068" cy="276999"/>
           </a:xfrm>
           <a:prstGeom prst="rect">
@@ -6880,11 +6980,18 @@
           <a:p>
             <a:pPr algn="ctr"/>
             <a:r>
+              <a:rPr lang="en-US" sz="1200" b="1" dirty="0">
+                <a:latin typeface="Open Sans Light"/>
+                <a:cs typeface="Open Sans Light"/>
+              </a:rPr>
+              <a:t>b</a:t>
+            </a:r>
+            <a:r>
               <a:rPr lang="en-US" sz="1200" b="1" dirty="0" smtClean="0">
                 <a:latin typeface="Open Sans Light"/>
                 <a:cs typeface="Open Sans Light"/>
               </a:rPr>
-              <a:t>Bastion host</a:t>
+              <a:t>astion host</a:t>
             </a:r>
             <a:endParaRPr lang="en-US" sz="1200" b="1" dirty="0">
               <a:latin typeface="Open Sans Light"/>
@@ -6909,7 +7016,7 @@
         </p:blipFill>
         <p:spPr>
           <a:xfrm>
-            <a:off x="1827258" y="536061"/>
+            <a:off x="1800994" y="529518"/>
             <a:ext cx="215900" cy="241300"/>
           </a:xfrm>
           <a:prstGeom prst="rect">
@@ -6925,8 +7032,8 @@
         </p:nvSpPr>
         <p:spPr>
           <a:xfrm>
-            <a:off x="3593802" y="580270"/>
-            <a:ext cx="1917130" cy="2298335"/>
+            <a:off x="3639488" y="580270"/>
+            <a:ext cx="1871444" cy="2298335"/>
           </a:xfrm>
           <a:prstGeom prst="roundRect">
             <a:avLst>
@@ -7081,9 +7188,9 @@
         <p:grpSpPr>
           <a:xfrm>
             <a:off x="3737466" y="834823"/>
-            <a:ext cx="1645197" cy="1929481"/>
+            <a:ext cx="1645197" cy="1960640"/>
             <a:chOff x="463550" y="760414"/>
-            <a:chExt cx="1709738" cy="1642217"/>
+            <a:chExt cx="1709738" cy="1668737"/>
           </a:xfrm>
         </p:grpSpPr>
         <p:sp>
@@ -7159,7 +7266,7 @@
           <p:spPr bwMode="auto">
             <a:xfrm>
               <a:off x="475390" y="2193392"/>
-              <a:ext cx="1627188" cy="172970"/>
+              <a:ext cx="1627188" cy="235759"/>
             </a:xfrm>
             <a:prstGeom prst="rect">
               <a:avLst/>
@@ -7188,7 +7295,7 @@
                   <a:ea typeface="Verdana" pitchFamily="34" charset="0"/>
                   <a:cs typeface="Open Sans Light"/>
                 </a:rPr>
-                <a:t>Auto Scaling group</a:t>
+                <a:t>auto Scaling group</a:t>
               </a:r>
               <a:endParaRPr lang="en-US" sz="1200" b="1" dirty="0">
                 <a:solidFill>
@@ -7211,7 +7318,7 @@
           <p:nvPr/>
         </p:nvPicPr>
         <p:blipFill>
-          <a:blip r:embed="rId13">
+          <a:blip r:embed="rId12">
             <a:extLst>
               <a:ext uri="{28A0092B-C50C-407E-A947-70E740481C1C}">
                 <a14:useLocalDpi xmlns:a14="http://schemas.microsoft.com/office/drawing/2010/main" val="0"/>
@@ -7487,7 +7594,7 @@
           <p:nvPr/>
         </p:nvPicPr>
         <p:blipFill>
-          <a:blip r:embed="rId13">
+          <a:blip r:embed="rId12">
             <a:extLst>
               <a:ext uri="{28A0092B-C50C-407E-A947-70E740481C1C}">
                 <a14:useLocalDpi xmlns:a14="http://schemas.microsoft.com/office/drawing/2010/main" val="0"/>
@@ -7786,7 +7893,7 @@
         </p:nvSpPr>
         <p:spPr>
           <a:xfrm>
-            <a:off x="1999442" y="544848"/>
+            <a:off x="1956822" y="544848"/>
             <a:ext cx="1478383" cy="276999"/>
           </a:xfrm>
           <a:prstGeom prst="rect">
@@ -7813,26 +7920,23 @@
       <p:cxnSp>
         <p:nvCxnSpPr>
           <p:cNvPr id="270" name="Straight Connector 269"/>
-          <p:cNvCxnSpPr>
-            <a:stCxn id="278" idx="0"/>
-            <a:endCxn id="267" idx="1"/>
-          </p:cNvCxnSpPr>
+          <p:cNvCxnSpPr/>
           <p:nvPr/>
         </p:nvCxnSpPr>
         <p:spPr>
           <a:xfrm rot="16200000" flipH="1">
-            <a:off x="1251999" y="416587"/>
-            <a:ext cx="275676" cy="1340221"/>
+            <a:off x="1243466" y="199233"/>
+            <a:ext cx="228797" cy="1276276"/>
           </a:xfrm>
           <a:prstGeom prst="bentConnector4">
             <a:avLst>
-              <a:gd name="adj1" fmla="val 102189"/>
-              <a:gd name="adj2" fmla="val 58977"/>
+              <a:gd name="adj1" fmla="val 101249"/>
+              <a:gd name="adj2" fmla="val 59427"/>
             </a:avLst>
           </a:prstGeom>
           <a:ln>
             <a:solidFill>
-              <a:srgbClr val="414042"/>
+              <a:schemeClr val="accent2"/>
             </a:solidFill>
             <a:tailEnd type="triangle" w="lg" len="lg"/>
           </a:ln>
@@ -7858,14 +7962,13 @@
           <p:cNvPr id="132" name="Straight Connector 131"/>
           <p:cNvCxnSpPr>
             <a:stCxn id="67" idx="3"/>
-            <a:endCxn id="289" idx="1"/>
           </p:cNvCxnSpPr>
           <p:nvPr/>
         </p:nvCxnSpPr>
         <p:spPr>
           <a:xfrm flipV="1">
-            <a:off x="2508884" y="2064356"/>
-            <a:ext cx="1523864" cy="2001790"/>
+            <a:off x="3021572" y="2177170"/>
+            <a:ext cx="1051607" cy="1743351"/>
           </a:xfrm>
           <a:prstGeom prst="line">
             <a:avLst/>
@@ -7898,14 +8001,13 @@
           <p:cNvPr id="130" name="Straight Connector 129"/>
           <p:cNvCxnSpPr>
             <a:stCxn id="67" idx="3"/>
-            <a:endCxn id="143" idx="1"/>
           </p:cNvCxnSpPr>
           <p:nvPr/>
         </p:nvCxnSpPr>
         <p:spPr>
           <a:xfrm flipV="1">
-            <a:off x="2508884" y="1201314"/>
-            <a:ext cx="1525022" cy="2864832"/>
+            <a:off x="3021572" y="1331224"/>
+            <a:ext cx="1080056" cy="2589297"/>
           </a:xfrm>
           <a:prstGeom prst="line">
             <a:avLst/>
@@ -7973,8 +8075,8 @@
         </p:nvSpPr>
         <p:spPr>
           <a:xfrm>
-            <a:off x="-226189" y="1700284"/>
-            <a:ext cx="1523757" cy="276999"/>
+            <a:off x="247178" y="1380634"/>
+            <a:ext cx="1050390" cy="276999"/>
           </a:xfrm>
           <a:prstGeom prst="rect">
             <a:avLst/>
@@ -7987,15 +8089,24 @@
           </a:bodyPr>
           <a:lstStyle/>
           <a:p>
-            <a:pPr algn="ctr"/>
             <a:r>
               <a:rPr lang="en-US" sz="1200" dirty="0" smtClean="0">
+                <a:solidFill>
+                  <a:schemeClr val="bg1">
+                    <a:lumMod val="75000"/>
+                  </a:schemeClr>
+                </a:solidFill>
                 <a:latin typeface="Open Sans Light"/>
                 <a:cs typeface="Open Sans Light"/>
               </a:rPr>
               <a:t>users</a:t>
             </a:r>
             <a:endParaRPr lang="en-US" sz="1200" dirty="0">
+              <a:solidFill>
+                <a:schemeClr val="bg1">
+                  <a:lumMod val="75000"/>
+                </a:schemeClr>
+              </a:solidFill>
               <a:latin typeface="Open Sans Light"/>
               <a:cs typeface="Open Sans Light"/>
             </a:endParaRPr>
@@ -8024,7 +8135,7 @@
         </p:blipFill>
         <p:spPr>
           <a:xfrm>
-            <a:off x="479099" y="948859"/>
+            <a:off x="520784" y="711142"/>
             <a:ext cx="481256" cy="481256"/>
           </a:xfrm>
           <a:prstGeom prst="rect">
@@ -8171,7 +8282,7 @@
           <p:nvPr/>
         </p:nvPicPr>
         <p:blipFill>
-          <a:blip r:embed="rId13">
+          <a:blip r:embed="rId12">
             <a:extLst>
               <a:ext uri="{28A0092B-C50C-407E-A947-70E740481C1C}">
                 <a14:useLocalDpi xmlns:a14="http://schemas.microsoft.com/office/drawing/2010/main" val="0"/>
@@ -8447,7 +8558,7 @@
           <p:nvPr/>
         </p:nvPicPr>
         <p:blipFill>
-          <a:blip r:embed="rId13">
+          <a:blip r:embed="rId12">
             <a:extLst>
               <a:ext uri="{28A0092B-C50C-407E-A947-70E740481C1C}">
                 <a14:useLocalDpi xmlns:a14="http://schemas.microsoft.com/office/drawing/2010/main" val="0"/>
@@ -8839,7 +8950,7 @@
           <p:nvPr/>
         </p:nvPicPr>
         <p:blipFill>
-          <a:blip r:embed="rId14">
+          <a:blip r:embed="rId13">
             <a:extLst>
               <a:ext uri="{28A0092B-C50C-407E-A947-70E740481C1C}">
                 <a14:useLocalDpi xmlns:a14="http://schemas.microsoft.com/office/drawing/2010/main" val="0"/>
@@ -8893,18 +9004,19 @@
       <p:cxnSp>
         <p:nvCxnSpPr>
           <p:cNvPr id="157" name="Straight Connector 103"/>
-          <p:cNvCxnSpPr/>
+          <p:cNvCxnSpPr>
+            <a:stCxn id="84" idx="3"/>
+            <a:endCxn id="67" idx="2"/>
+          </p:cNvCxnSpPr>
           <p:nvPr/>
         </p:nvCxnSpPr>
         <p:spPr>
-          <a:xfrm rot="5400000" flipH="1" flipV="1">
-            <a:off x="1153126" y="4482677"/>
-            <a:ext cx="1295537" cy="1287369"/>
+          <a:xfrm flipV="1">
+            <a:off x="1338724" y="4180567"/>
+            <a:ext cx="1466143" cy="1574230"/>
           </a:xfrm>
-          <a:prstGeom prst="bentConnector3">
-            <a:avLst>
-              <a:gd name="adj1" fmla="val 74505"/>
-            </a:avLst>
+          <a:prstGeom prst="bentConnector2">
+            <a:avLst/>
           </a:prstGeom>
           <a:ln>
             <a:solidFill>
@@ -8929,6 +9041,553 @@
           </a:fontRef>
         </p:style>
       </p:cxnSp>
+      <p:pic>
+        <p:nvPicPr>
+          <p:cNvPr id="118" name="Picture 117"/>
+          <p:cNvPicPr>
+            <a:picLocks noChangeAspect="1"/>
+          </p:cNvPicPr>
+          <p:nvPr/>
+        </p:nvPicPr>
+        <p:blipFill>
+          <a:blip r:embed="rId12">
+            <a:extLst>
+              <a:ext uri="{28A0092B-C50C-407E-A947-70E740481C1C}">
+                <a14:useLocalDpi xmlns:a14="http://schemas.microsoft.com/office/drawing/2010/main" val="0"/>
+              </a:ext>
+            </a:extLst>
+          </a:blip>
+          <a:stretch>
+            <a:fillRect/>
+          </a:stretch>
+        </p:blipFill>
+        <p:spPr>
+          <a:xfrm>
+            <a:off x="2600840" y="2088307"/>
+            <a:ext cx="839806" cy="226514"/>
+          </a:xfrm>
+          <a:prstGeom prst="rect">
+            <a:avLst/>
+          </a:prstGeom>
+        </p:spPr>
+      </p:pic>
+      <p:sp>
+        <p:nvSpPr>
+          <p:cNvPr id="122" name="TextBox 121"/>
+          <p:cNvSpPr txBox="1"/>
+          <p:nvPr/>
+        </p:nvSpPr>
+        <p:spPr>
+          <a:xfrm>
+            <a:off x="2639431" y="2060834"/>
+            <a:ext cx="777911" cy="276999"/>
+          </a:xfrm>
+          <a:prstGeom prst="rect">
+            <a:avLst/>
+          </a:prstGeom>
+          <a:noFill/>
+        </p:spPr>
+        <p:txBody>
+          <a:bodyPr wrap="square" rtlCol="0">
+            <a:spAutoFit/>
+          </a:bodyPr>
+          <a:lstStyle/>
+          <a:p>
+            <a:pPr algn="ctr"/>
+            <a:r>
+              <a:rPr lang="en-US" sz="1200" b="1" dirty="0" smtClean="0">
+                <a:latin typeface="Open Sans Light"/>
+                <a:cs typeface="Open Sans Light"/>
+              </a:rPr>
+              <a:t>NAT AMI</a:t>
+            </a:r>
+            <a:endParaRPr lang="en-US" sz="1200" b="1" dirty="0">
+              <a:latin typeface="Open Sans Light"/>
+              <a:cs typeface="Open Sans Light"/>
+            </a:endParaRPr>
+          </a:p>
+        </p:txBody>
+      </p:sp>
+      <p:sp>
+        <p:nvSpPr>
+          <p:cNvPr id="152" name="Decagon 151"/>
+          <p:cNvSpPr/>
+          <p:nvPr/>
+        </p:nvSpPr>
+        <p:spPr>
+          <a:xfrm>
+            <a:off x="2158819" y="2490199"/>
+            <a:ext cx="401092" cy="346221"/>
+          </a:xfrm>
+          <a:prstGeom prst="decagon">
+            <a:avLst/>
+          </a:prstGeom>
+          <a:solidFill>
+            <a:schemeClr val="accent1"/>
+          </a:solidFill>
+          <a:ln>
+            <a:noFill/>
+          </a:ln>
+          <a:effectLst/>
+        </p:spPr>
+        <p:style>
+          <a:lnRef idx="1">
+            <a:schemeClr val="accent1"/>
+          </a:lnRef>
+          <a:fillRef idx="3">
+            <a:schemeClr val="accent1"/>
+          </a:fillRef>
+          <a:effectRef idx="2">
+            <a:schemeClr val="accent1"/>
+          </a:effectRef>
+          <a:fontRef idx="minor">
+            <a:schemeClr val="lt1"/>
+          </a:fontRef>
+        </p:style>
+        <p:txBody>
+          <a:bodyPr/>
+          <a:lstStyle/>
+          <a:p>
+            <a:endParaRPr lang="en-US" dirty="0"/>
+          </a:p>
+        </p:txBody>
+      </p:sp>
+      <p:cxnSp>
+        <p:nvCxnSpPr>
+          <p:cNvPr id="153" name="Straight Connector 152"/>
+          <p:cNvCxnSpPr>
+            <a:stCxn id="105" idx="0"/>
+            <a:endCxn id="152" idx="3"/>
+          </p:cNvCxnSpPr>
+          <p:nvPr/>
+        </p:nvCxnSpPr>
+        <p:spPr>
+          <a:xfrm flipH="1" flipV="1">
+            <a:off x="2421337" y="2836420"/>
+            <a:ext cx="3526" cy="1549230"/>
+          </a:xfrm>
+          <a:prstGeom prst="line">
+            <a:avLst/>
+          </a:prstGeom>
+          <a:ln>
+            <a:solidFill>
+              <a:srgbClr val="414042"/>
+            </a:solidFill>
+            <a:tailEnd type="triangle" w="lg" len="lg"/>
+          </a:ln>
+          <a:effectLst/>
+        </p:spPr>
+        <p:style>
+          <a:lnRef idx="2">
+            <a:schemeClr val="accent1"/>
+          </a:lnRef>
+          <a:fillRef idx="0">
+            <a:schemeClr val="accent1"/>
+          </a:fillRef>
+          <a:effectRef idx="1">
+            <a:schemeClr val="accent1"/>
+          </a:effectRef>
+          <a:fontRef idx="minor">
+            <a:schemeClr val="tx1"/>
+          </a:fontRef>
+        </p:style>
+      </p:cxnSp>
+      <p:cxnSp>
+        <p:nvCxnSpPr>
+          <p:cNvPr id="154" name="Straight Connector 153"/>
+          <p:cNvCxnSpPr>
+            <a:stCxn id="152" idx="0"/>
+            <a:endCxn id="118" idx="2"/>
+          </p:cNvCxnSpPr>
+          <p:nvPr/>
+        </p:nvCxnSpPr>
+        <p:spPr>
+          <a:xfrm flipV="1">
+            <a:off x="2521610" y="2314821"/>
+            <a:ext cx="499133" cy="241501"/>
+          </a:xfrm>
+          <a:prstGeom prst="line">
+            <a:avLst/>
+          </a:prstGeom>
+          <a:ln>
+            <a:solidFill>
+              <a:srgbClr val="414042"/>
+            </a:solidFill>
+            <a:tailEnd type="triangle" w="lg" len="lg"/>
+          </a:ln>
+          <a:effectLst/>
+        </p:spPr>
+        <p:style>
+          <a:lnRef idx="2">
+            <a:schemeClr val="accent1"/>
+          </a:lnRef>
+          <a:fillRef idx="0">
+            <a:schemeClr val="accent1"/>
+          </a:fillRef>
+          <a:effectRef idx="1">
+            <a:schemeClr val="accent1"/>
+          </a:effectRef>
+          <a:fontRef idx="minor">
+            <a:schemeClr val="tx1"/>
+          </a:fontRef>
+        </p:style>
+      </p:cxnSp>
+      <p:sp>
+        <p:nvSpPr>
+          <p:cNvPr id="158" name="TextBox 157"/>
+          <p:cNvSpPr txBox="1"/>
+          <p:nvPr/>
+        </p:nvSpPr>
+        <p:spPr>
+          <a:xfrm>
+            <a:off x="2386381" y="3226804"/>
+            <a:ext cx="592618" cy="276999"/>
+          </a:xfrm>
+          <a:prstGeom prst="rect">
+            <a:avLst/>
+          </a:prstGeom>
+          <a:noFill/>
+        </p:spPr>
+        <p:txBody>
+          <a:bodyPr wrap="square" rtlCol="0">
+            <a:spAutoFit/>
+          </a:bodyPr>
+          <a:lstStyle/>
+          <a:p>
+            <a:r>
+              <a:rPr lang="en-US" sz="1200" b="1" dirty="0" smtClean="0">
+                <a:solidFill>
+                  <a:schemeClr val="bg1">
+                    <a:lumMod val="65000"/>
+                  </a:schemeClr>
+                </a:solidFill>
+                <a:latin typeface="Open Sans Light"/>
+                <a:cs typeface="Open Sans Light"/>
+              </a:rPr>
+              <a:t>VPC 1</a:t>
+            </a:r>
+            <a:endParaRPr lang="en-US" sz="1200" b="1" dirty="0">
+              <a:solidFill>
+                <a:schemeClr val="bg1">
+                  <a:lumMod val="65000"/>
+                </a:schemeClr>
+              </a:solidFill>
+              <a:latin typeface="Open Sans Light"/>
+              <a:cs typeface="Open Sans Light"/>
+            </a:endParaRPr>
+          </a:p>
+        </p:txBody>
+      </p:sp>
+      <p:cxnSp>
+        <p:nvCxnSpPr>
+          <p:cNvPr id="159" name="Straight Connector 158"/>
+          <p:cNvCxnSpPr>
+            <a:stCxn id="105" idx="2"/>
+            <a:endCxn id="160" idx="3"/>
+          </p:cNvCxnSpPr>
+          <p:nvPr/>
+        </p:nvCxnSpPr>
+        <p:spPr>
+          <a:xfrm flipH="1">
+            <a:off x="2261801" y="4836570"/>
+            <a:ext cx="163062" cy="223525"/>
+          </a:xfrm>
+          <a:prstGeom prst="line">
+            <a:avLst/>
+          </a:prstGeom>
+          <a:ln>
+            <a:solidFill>
+              <a:srgbClr val="414042"/>
+            </a:solidFill>
+          </a:ln>
+          <a:effectLst/>
+        </p:spPr>
+        <p:style>
+          <a:lnRef idx="2">
+            <a:schemeClr val="accent1"/>
+          </a:lnRef>
+          <a:fillRef idx="0">
+            <a:schemeClr val="accent1"/>
+          </a:fillRef>
+          <a:effectRef idx="1">
+            <a:schemeClr val="accent1"/>
+          </a:effectRef>
+          <a:fontRef idx="minor">
+            <a:schemeClr val="tx1"/>
+          </a:fontRef>
+        </p:style>
+      </p:cxnSp>
+      <p:pic>
+        <p:nvPicPr>
+          <p:cNvPr id="160" name="Picture 159"/>
+          <p:cNvPicPr>
+            <a:picLocks noChangeAspect="1"/>
+          </p:cNvPicPr>
+          <p:nvPr/>
+        </p:nvPicPr>
+        <p:blipFill>
+          <a:blip r:embed="rId14">
+            <a:extLst>
+              <a:ext uri="{28A0092B-C50C-407E-A947-70E740481C1C}">
+                <a14:useLocalDpi xmlns:a14="http://schemas.microsoft.com/office/drawing/2010/main" val="0"/>
+              </a:ext>
+            </a:extLst>
+          </a:blip>
+          <a:stretch>
+            <a:fillRect/>
+          </a:stretch>
+        </p:blipFill>
+        <p:spPr>
+          <a:xfrm>
+            <a:off x="1854816" y="4849065"/>
+            <a:ext cx="406985" cy="422059"/>
+          </a:xfrm>
+          <a:prstGeom prst="rect">
+            <a:avLst/>
+          </a:prstGeom>
+        </p:spPr>
+      </p:pic>
+      <p:sp>
+        <p:nvSpPr>
+          <p:cNvPr id="161" name="TextBox 160"/>
+          <p:cNvSpPr txBox="1"/>
+          <p:nvPr/>
+        </p:nvSpPr>
+        <p:spPr>
+          <a:xfrm>
+            <a:off x="1883470" y="4971268"/>
+            <a:ext cx="378332" cy="276999"/>
+          </a:xfrm>
+          <a:prstGeom prst="rect">
+            <a:avLst/>
+          </a:prstGeom>
+          <a:noFill/>
+        </p:spPr>
+        <p:txBody>
+          <a:bodyPr wrap="square" rtlCol="0">
+            <a:spAutoFit/>
+          </a:bodyPr>
+          <a:lstStyle/>
+          <a:p>
+            <a:r>
+              <a:rPr lang="en-US" sz="1200" b="1" dirty="0" smtClean="0">
+                <a:solidFill>
+                  <a:schemeClr val="bg1"/>
+                </a:solidFill>
+                <a:latin typeface="Open Sans Light"/>
+                <a:cs typeface="Open Sans Light"/>
+              </a:rPr>
+              <a:t>S3</a:t>
+            </a:r>
+            <a:endParaRPr lang="en-US" sz="1200" b="1" dirty="0">
+              <a:solidFill>
+                <a:schemeClr val="bg1"/>
+              </a:solidFill>
+              <a:latin typeface="Open Sans Light"/>
+              <a:cs typeface="Open Sans Light"/>
+            </a:endParaRPr>
+          </a:p>
+        </p:txBody>
+      </p:sp>
+      <p:pic>
+        <p:nvPicPr>
+          <p:cNvPr id="162" name="Picture 161"/>
+          <p:cNvPicPr>
+            <a:picLocks noChangeAspect="1"/>
+          </p:cNvPicPr>
+          <p:nvPr/>
+        </p:nvPicPr>
+        <p:blipFill>
+          <a:blip r:embed="rId12">
+            <a:extLst>
+              <a:ext uri="{28A0092B-C50C-407E-A947-70E740481C1C}">
+                <a14:useLocalDpi xmlns:a14="http://schemas.microsoft.com/office/drawing/2010/main" val="0"/>
+              </a:ext>
+            </a:extLst>
+          </a:blip>
+          <a:stretch>
+            <a:fillRect/>
+          </a:stretch>
+        </p:blipFill>
+        <p:spPr>
+          <a:xfrm>
+            <a:off x="2243661" y="1324301"/>
+            <a:ext cx="839806" cy="226514"/>
+          </a:xfrm>
+          <a:prstGeom prst="rect">
+            <a:avLst/>
+          </a:prstGeom>
+        </p:spPr>
+      </p:pic>
+      <p:sp>
+        <p:nvSpPr>
+          <p:cNvPr id="163" name="TextBox 162"/>
+          <p:cNvSpPr txBox="1"/>
+          <p:nvPr/>
+        </p:nvSpPr>
+        <p:spPr>
+          <a:xfrm>
+            <a:off x="2243661" y="1303148"/>
+            <a:ext cx="777911" cy="276999"/>
+          </a:xfrm>
+          <a:prstGeom prst="rect">
+            <a:avLst/>
+          </a:prstGeom>
+          <a:noFill/>
+        </p:spPr>
+        <p:txBody>
+          <a:bodyPr wrap="square" rtlCol="0">
+            <a:spAutoFit/>
+          </a:bodyPr>
+          <a:lstStyle/>
+          <a:p>
+            <a:pPr algn="ctr"/>
+            <a:r>
+              <a:rPr lang="en-US" sz="1200" b="1" dirty="0" smtClean="0">
+                <a:latin typeface="Open Sans Light"/>
+                <a:cs typeface="Open Sans Light"/>
+              </a:rPr>
+              <a:t>Ansible</a:t>
+            </a:r>
+            <a:endParaRPr lang="en-US" sz="1200" b="1" dirty="0">
+              <a:latin typeface="Open Sans Light"/>
+              <a:cs typeface="Open Sans Light"/>
+            </a:endParaRPr>
+          </a:p>
+        </p:txBody>
+      </p:sp>
+      <p:cxnSp>
+        <p:nvCxnSpPr>
+          <p:cNvPr id="164" name="Straight Connector 163"/>
+          <p:cNvCxnSpPr>
+            <a:stCxn id="162" idx="3"/>
+          </p:cNvCxnSpPr>
+          <p:nvPr/>
+        </p:nvCxnSpPr>
+        <p:spPr>
+          <a:xfrm flipV="1">
+            <a:off x="3083467" y="1331224"/>
+            <a:ext cx="784452" cy="106334"/>
+          </a:xfrm>
+          <a:prstGeom prst="line">
+            <a:avLst/>
+          </a:prstGeom>
+          <a:ln>
+            <a:solidFill>
+              <a:srgbClr val="C0504D"/>
+            </a:solidFill>
+            <a:tailEnd type="triangle" w="lg" len="lg"/>
+          </a:ln>
+          <a:effectLst/>
+        </p:spPr>
+        <p:style>
+          <a:lnRef idx="2">
+            <a:schemeClr val="accent1"/>
+          </a:lnRef>
+          <a:fillRef idx="0">
+            <a:schemeClr val="accent1"/>
+          </a:fillRef>
+          <a:effectRef idx="1">
+            <a:schemeClr val="accent1"/>
+          </a:effectRef>
+          <a:fontRef idx="minor">
+            <a:schemeClr val="tx1"/>
+          </a:fontRef>
+        </p:style>
+      </p:cxnSp>
+      <p:sp>
+        <p:nvSpPr>
+          <p:cNvPr id="135" name="Rectangle 134"/>
+          <p:cNvSpPr/>
+          <p:nvPr/>
+        </p:nvSpPr>
+        <p:spPr>
+          <a:xfrm>
+            <a:off x="575223" y="2438474"/>
+            <a:ext cx="914115" cy="308782"/>
+          </a:xfrm>
+          <a:prstGeom prst="rect">
+            <a:avLst/>
+          </a:prstGeom>
+          <a:solidFill>
+            <a:schemeClr val="accent3"/>
+          </a:solidFill>
+          <a:ln>
+            <a:solidFill>
+              <a:schemeClr val="bg1"/>
+            </a:solidFill>
+          </a:ln>
+        </p:spPr>
+        <p:style>
+          <a:lnRef idx="2">
+            <a:schemeClr val="accent1">
+              <a:shade val="50000"/>
+            </a:schemeClr>
+          </a:lnRef>
+          <a:fillRef idx="1">
+            <a:schemeClr val="accent1"/>
+          </a:fillRef>
+          <a:effectRef idx="0">
+            <a:schemeClr val="accent1"/>
+          </a:effectRef>
+          <a:fontRef idx="minor">
+            <a:schemeClr val="lt1"/>
+          </a:fontRef>
+        </p:style>
+        <p:txBody>
+          <a:bodyPr lIns="68681" tIns="34340" rIns="68681" bIns="34340" anchor="t"/>
+          <a:lstStyle/>
+          <a:p>
+            <a:pPr algn="ctr" defTabSz="343403" eaLnBrk="1" fontAlgn="auto" hangingPunct="1">
+              <a:spcBef>
+                <a:spcPts val="0"/>
+              </a:spcBef>
+              <a:spcAft>
+                <a:spcPts val="0"/>
+              </a:spcAft>
+              <a:defRPr/>
+            </a:pPr>
+            <a:r>
+              <a:rPr lang="en-US" sz="1400" dirty="0" smtClean="0">
+                <a:latin typeface="Open Sans Light" charset="0"/>
+                <a:ea typeface="Open Sans Light" charset="0"/>
+                <a:cs typeface="Open Sans Light" charset="0"/>
+              </a:rPr>
+              <a:t>OpenVPN</a:t>
+            </a:r>
+          </a:p>
+        </p:txBody>
+      </p:sp>
+      <p:pic>
+        <p:nvPicPr>
+          <p:cNvPr id="107" name="Picture 106"/>
+          <p:cNvPicPr>
+            <a:picLocks noChangeAspect="1"/>
+          </p:cNvPicPr>
+          <p:nvPr/>
+        </p:nvPicPr>
+        <p:blipFill>
+          <a:blip r:embed="rId15">
+            <a:extLst>
+              <a:ext uri="{28A0092B-C50C-407E-A947-70E740481C1C}">
+                <a14:useLocalDpi xmlns:a14="http://schemas.microsoft.com/office/drawing/2010/main" val="0"/>
+              </a:ext>
+            </a:extLst>
+          </a:blip>
+          <a:stretch>
+            <a:fillRect/>
+          </a:stretch>
+        </p:blipFill>
+        <p:spPr>
+          <a:xfrm>
+            <a:off x="1522151" y="3284604"/>
+            <a:ext cx="532112" cy="423719"/>
+          </a:xfrm>
+          <a:prstGeom prst="rect">
+            <a:avLst/>
+          </a:prstGeom>
+        </p:spPr>
+      </p:pic>
     </p:spTree>
     <p:extLst>
       <p:ext uri="{BB962C8B-B14F-4D97-AF65-F5344CB8AC3E}">
@@ -9089,7 +9748,7 @@
                             </p:stCondLst>
                             <p:childTnLst>
                               <p:par>
-                                <p:cTn id="15" presetID="1" presetClass="entr" presetSubtype="0" fill="hold" grpId="1" nodeType="clickEffect">
+                                <p:cTn id="15" presetID="1" presetClass="entr" presetSubtype="0" fill="hold" nodeType="clickEffect">
                                   <p:stCondLst>
                                     <p:cond delay="0"/>
                                   </p:stCondLst>
@@ -9102,7 +9761,7 @@
                                           </p:stCondLst>
                                         </p:cTn>
                                         <p:tgtEl>
-                                          <p:spTgt spid="116"/>
+                                          <p:spTgt spid="262"/>
                                         </p:tgtEl>
                                         <p:attrNameLst>
                                           <p:attrName>style.visibility</p:attrName>
@@ -9115,35 +9774,26 @@
                                   </p:childTnLst>
                                 </p:cTn>
                               </p:par>
+                            </p:childTnLst>
+                          </p:cTn>
+                        </p:par>
+                      </p:childTnLst>
+                    </p:cTn>
+                  </p:par>
+                  <p:par>
+                    <p:cTn id="17" fill="hold">
+                      <p:stCondLst>
+                        <p:cond delay="indefinite"/>
+                      </p:stCondLst>
+                      <p:childTnLst>
+                        <p:par>
+                          <p:cTn id="18" fill="hold">
+                            <p:stCondLst>
+                              <p:cond delay="0"/>
+                            </p:stCondLst>
+                            <p:childTnLst>
                               <p:par>
-                                <p:cTn id="17" presetID="1" presetClass="entr" presetSubtype="0" fill="hold" nodeType="withEffect">
-                                  <p:stCondLst>
-                                    <p:cond delay="0"/>
-                                  </p:stCondLst>
-                                  <p:childTnLst>
-                                    <p:set>
-                                      <p:cBhvr>
-                                        <p:cTn id="18" dur="1" fill="hold">
-                                          <p:stCondLst>
-                                            <p:cond delay="0"/>
-                                          </p:stCondLst>
-                                        </p:cTn>
-                                        <p:tgtEl>
-                                          <p:spTgt spid="278"/>
-                                        </p:tgtEl>
-                                        <p:attrNameLst>
-                                          <p:attrName>style.visibility</p:attrName>
-                                        </p:attrNameLst>
-                                      </p:cBhvr>
-                                      <p:to>
-                                        <p:strVal val="visible"/>
-                                      </p:to>
-                                    </p:set>
-                                  </p:childTnLst>
-                                </p:cTn>
-                              </p:par>
-                              <p:par>
-                                <p:cTn id="19" presetID="1" presetClass="entr" presetSubtype="0" fill="hold" nodeType="withEffect">
+                                <p:cTn id="19" presetID="1" presetClass="entr" presetSubtype="0" fill="hold" grpId="1" nodeType="clickEffect">
                                   <p:stCondLst>
                                     <p:cond delay="0"/>
                                   </p:stCondLst>
@@ -9156,7 +9806,7 @@
                                           </p:stCondLst>
                                         </p:cTn>
                                         <p:tgtEl>
-                                          <p:spTgt spid="270"/>
+                                          <p:spTgt spid="116"/>
                                         </p:tgtEl>
                                         <p:attrNameLst>
                                           <p:attrName>style.visibility</p:attrName>
@@ -9183,7 +9833,34 @@
                                           </p:stCondLst>
                                         </p:cTn>
                                         <p:tgtEl>
-                                          <p:spTgt spid="262"/>
+                                          <p:spTgt spid="278"/>
+                                        </p:tgtEl>
+                                        <p:attrNameLst>
+                                          <p:attrName>style.visibility</p:attrName>
+                                        </p:attrNameLst>
+                                      </p:cBhvr>
+                                      <p:to>
+                                        <p:strVal val="visible"/>
+                                      </p:to>
+                                    </p:set>
+                                  </p:childTnLst>
+                                </p:cTn>
+                              </p:par>
+                              <p:par>
+                                <p:cTn id="23" presetID="1" presetClass="entr" presetSubtype="0" fill="hold" nodeType="withEffect">
+                                  <p:stCondLst>
+                                    <p:cond delay="0"/>
+                                  </p:stCondLst>
+                                  <p:childTnLst>
+                                    <p:set>
+                                      <p:cBhvr>
+                                        <p:cTn id="24" dur="1" fill="hold">
+                                          <p:stCondLst>
+                                            <p:cond delay="0"/>
+                                          </p:stCondLst>
+                                        </p:cTn>
+                                        <p:tgtEl>
+                                          <p:spTgt spid="270"/>
                                         </p:tgtEl>
                                         <p:attrNameLst>
                                           <p:attrName>style.visibility</p:attrName>
@@ -9203,32 +9880,32 @@
                     </p:cTn>
                   </p:par>
                   <p:par>
-                    <p:cTn id="23" fill="hold">
+                    <p:cTn id="25" fill="hold">
                       <p:stCondLst>
                         <p:cond delay="indefinite"/>
                       </p:stCondLst>
                       <p:childTnLst>
                         <p:par>
-                          <p:cTn id="24" fill="hold">
+                          <p:cTn id="26" fill="hold">
                             <p:stCondLst>
                               <p:cond delay="0"/>
                             </p:stCondLst>
                             <p:childTnLst>
                               <p:par>
-                                <p:cTn id="25" presetID="1" presetClass="entr" presetSubtype="0" fill="hold" grpId="0" nodeType="clickEffect">
+                                <p:cTn id="27" presetID="1" presetClass="entr" presetSubtype="0" fill="hold" nodeType="clickEffect">
                                   <p:stCondLst>
                                     <p:cond delay="0"/>
                                   </p:stCondLst>
                                   <p:childTnLst>
                                     <p:set>
                                       <p:cBhvr>
-                                        <p:cTn id="26" dur="1" fill="hold">
+                                        <p:cTn id="28" dur="1" fill="hold">
                                           <p:stCondLst>
                                             <p:cond delay="0"/>
                                           </p:stCondLst>
                                         </p:cTn>
                                         <p:tgtEl>
-                                          <p:spTgt spid="267"/>
+                                          <p:spTgt spid="144"/>
                                         </p:tgtEl>
                                         <p:attrNameLst>
                                           <p:attrName>style.visibility</p:attrName>
@@ -9242,20 +9919,20 @@
                                 </p:cTn>
                               </p:par>
                               <p:par>
-                                <p:cTn id="27" presetID="1" presetClass="entr" presetSubtype="0" fill="hold" nodeType="withEffect">
+                                <p:cTn id="29" presetID="1" presetClass="entr" presetSubtype="0" fill="hold" nodeType="withEffect">
                                   <p:stCondLst>
                                     <p:cond delay="0"/>
                                   </p:stCondLst>
                                   <p:childTnLst>
                                     <p:set>
                                       <p:cBhvr>
-                                        <p:cTn id="28" dur="1" fill="hold">
+                                        <p:cTn id="30" dur="1" fill="hold">
                                           <p:stCondLst>
                                             <p:cond delay="0"/>
                                           </p:stCondLst>
                                         </p:cTn>
                                         <p:tgtEl>
-                                          <p:spTgt spid="274"/>
+                                          <p:spTgt spid="130"/>
                                         </p:tgtEl>
                                         <p:attrNameLst>
                                           <p:attrName>style.visibility</p:attrName>
@@ -9275,46 +9952,19 @@
                     </p:cTn>
                   </p:par>
                   <p:par>
-                    <p:cTn id="29" fill="hold">
+                    <p:cTn id="31" fill="hold">
                       <p:stCondLst>
                         <p:cond delay="indefinite"/>
                       </p:stCondLst>
                       <p:childTnLst>
                         <p:par>
-                          <p:cTn id="30" fill="hold">
+                          <p:cTn id="32" fill="hold">
                             <p:stCondLst>
                               <p:cond delay="0"/>
                             </p:stCondLst>
                             <p:childTnLst>
                               <p:par>
-                                <p:cTn id="31" presetID="1" presetClass="entr" presetSubtype="0" fill="hold" nodeType="clickEffect">
-                                  <p:stCondLst>
-                                    <p:cond delay="0"/>
-                                  </p:stCondLst>
-                                  <p:childTnLst>
-                                    <p:set>
-                                      <p:cBhvr>
-                                        <p:cTn id="32" dur="1" fill="hold">
-                                          <p:stCondLst>
-                                            <p:cond delay="0"/>
-                                          </p:stCondLst>
-                                        </p:cTn>
-                                        <p:tgtEl>
-                                          <p:spTgt spid="144"/>
-                                        </p:tgtEl>
-                                        <p:attrNameLst>
-                                          <p:attrName>style.visibility</p:attrName>
-                                        </p:attrNameLst>
-                                      </p:cBhvr>
-                                      <p:to>
-                                        <p:strVal val="visible"/>
-                                      </p:to>
-                                    </p:set>
-                                  </p:childTnLst>
-                                </p:cTn>
-                              </p:par>
-                              <p:par>
-                                <p:cTn id="33" presetID="1" presetClass="entr" presetSubtype="0" fill="hold" nodeType="withEffect">
+                                <p:cTn id="33" presetID="1" presetClass="entr" presetSubtype="0" fill="hold" grpId="0" nodeType="clickEffect">
                                   <p:stCondLst>
                                     <p:cond delay="0"/>
                                   </p:stCondLst>
@@ -9327,7 +9977,7 @@
                                           </p:stCondLst>
                                         </p:cTn>
                                         <p:tgtEl>
-                                          <p:spTgt spid="130"/>
+                                          <p:spTgt spid="158"/>
                                         </p:tgtEl>
                                         <p:attrNameLst>
                                           <p:attrName>style.visibility</p:attrName>
@@ -9399,7 +10049,7 @@
                                           </p:stCondLst>
                                         </p:cTn>
                                         <p:tgtEl>
-                                          <p:spTgt spid="134"/>
+                                          <p:spTgt spid="261"/>
                                         </p:tgtEl>
                                         <p:attrNameLst>
                                           <p:attrName>style.visibility</p:attrName>
@@ -9426,7 +10076,7 @@
                                           </p:stCondLst>
                                         </p:cTn>
                                         <p:tgtEl>
-                                          <p:spTgt spid="261"/>
+                                          <p:spTgt spid="119"/>
                                         </p:tgtEl>
                                         <p:attrNameLst>
                                           <p:attrName>style.visibility</p:attrName>
@@ -9466,35 +10116,26 @@
                                   </p:childTnLst>
                                 </p:cTn>
                               </p:par>
+                            </p:childTnLst>
+                          </p:cTn>
+                        </p:par>
+                      </p:childTnLst>
+                    </p:cTn>
+                  </p:par>
+                  <p:par>
+                    <p:cTn id="45" fill="hold">
+                      <p:stCondLst>
+                        <p:cond delay="indefinite"/>
+                      </p:stCondLst>
+                      <p:childTnLst>
+                        <p:par>
+                          <p:cTn id="46" fill="hold">
+                            <p:stCondLst>
+                              <p:cond delay="0"/>
+                            </p:stCondLst>
+                            <p:childTnLst>
                               <p:par>
-                                <p:cTn id="45" presetID="1" presetClass="entr" presetSubtype="0" fill="hold" grpId="0" nodeType="withEffect">
-                                  <p:stCondLst>
-                                    <p:cond delay="0"/>
-                                  </p:stCondLst>
-                                  <p:childTnLst>
-                                    <p:set>
-                                      <p:cBhvr>
-                                        <p:cTn id="46" dur="1" fill="hold">
-                                          <p:stCondLst>
-                                            <p:cond delay="0"/>
-                                          </p:stCondLst>
-                                        </p:cTn>
-                                        <p:tgtEl>
-                                          <p:spTgt spid="119"/>
-                                        </p:tgtEl>
-                                        <p:attrNameLst>
-                                          <p:attrName>style.visibility</p:attrName>
-                                        </p:attrNameLst>
-                                      </p:cBhvr>
-                                      <p:to>
-                                        <p:strVal val="visible"/>
-                                      </p:to>
-                                    </p:set>
-                                  </p:childTnLst>
-                                </p:cTn>
-                              </p:par>
-                              <p:par>
-                                <p:cTn id="47" presetID="1" presetClass="entr" presetSubtype="0" fill="hold" grpId="0" nodeType="withEffect">
+                                <p:cTn id="47" presetID="1" presetClass="entr" presetSubtype="0" fill="hold" grpId="0" nodeType="clickEffect">
                                   <p:stCondLst>
                                     <p:cond delay="0"/>
                                   </p:stCondLst>
@@ -9520,26 +10161,35 @@
                                   </p:childTnLst>
                                 </p:cTn>
                               </p:par>
-                            </p:childTnLst>
-                          </p:cTn>
-                        </p:par>
-                      </p:childTnLst>
-                    </p:cTn>
-                  </p:par>
-                  <p:par>
-                    <p:cTn id="49" fill="hold">
-                      <p:stCondLst>
-                        <p:cond delay="indefinite"/>
-                      </p:stCondLst>
-                      <p:childTnLst>
-                        <p:par>
-                          <p:cTn id="50" fill="hold">
-                            <p:stCondLst>
-                              <p:cond delay="0"/>
-                            </p:stCondLst>
-                            <p:childTnLst>
                               <p:par>
-                                <p:cTn id="51" presetID="1" presetClass="entr" presetSubtype="0" fill="hold" nodeType="clickEffect">
+                                <p:cTn id="49" presetID="1" presetClass="entr" presetSubtype="0" fill="hold" nodeType="withEffect">
+                                  <p:stCondLst>
+                                    <p:cond delay="0"/>
+                                  </p:stCondLst>
+                                  <p:childTnLst>
+                                    <p:set>
+                                      <p:cBhvr>
+                                        <p:cTn id="50" dur="1" fill="hold">
+                                          <p:stCondLst>
+                                            <p:cond delay="0"/>
+                                          </p:stCondLst>
+                                        </p:cTn>
+                                        <p:tgtEl>
+                                          <p:spTgt spid="260"/>
+                                        </p:tgtEl>
+                                        <p:attrNameLst>
+                                          <p:attrName>style.visibility</p:attrName>
+                                        </p:attrNameLst>
+                                      </p:cBhvr>
+                                      <p:to>
+                                        <p:strVal val="visible"/>
+                                      </p:to>
+                                    </p:set>
+                                  </p:childTnLst>
+                                </p:cTn>
+                              </p:par>
+                              <p:par>
+                                <p:cTn id="51" presetID="1" presetClass="entr" presetSubtype="0" fill="hold" grpId="0" nodeType="withEffect">
                                   <p:stCondLst>
                                     <p:cond delay="0"/>
                                   </p:stCondLst>
@@ -9552,7 +10202,7 @@
                                           </p:stCondLst>
                                         </p:cTn>
                                         <p:tgtEl>
-                                          <p:spTgt spid="260"/>
+                                          <p:spTgt spid="288"/>
                                         </p:tgtEl>
                                         <p:attrNameLst>
                                           <p:attrName>style.visibility</p:attrName>
@@ -9579,7 +10229,34 @@
                                           </p:stCondLst>
                                         </p:cTn>
                                         <p:tgtEl>
-                                          <p:spTgt spid="288"/>
+                                          <p:spTgt spid="141"/>
+                                        </p:tgtEl>
+                                        <p:attrNameLst>
+                                          <p:attrName>style.visibility</p:attrName>
+                                        </p:attrNameLst>
+                                      </p:cBhvr>
+                                      <p:to>
+                                        <p:strVal val="visible"/>
+                                      </p:to>
+                                    </p:set>
+                                  </p:childTnLst>
+                                </p:cTn>
+                              </p:par>
+                              <p:par>
+                                <p:cTn id="55" presetID="1" presetClass="entr" presetSubtype="0" fill="hold" grpId="0" nodeType="withEffect">
+                                  <p:stCondLst>
+                                    <p:cond delay="0"/>
+                                  </p:stCondLst>
+                                  <p:childTnLst>
+                                    <p:set>
+                                      <p:cBhvr>
+                                        <p:cTn id="56" dur="1" fill="hold">
+                                          <p:stCondLst>
+                                            <p:cond delay="0"/>
+                                          </p:stCondLst>
+                                        </p:cTn>
+                                        <p:tgtEl>
+                                          <p:spTgt spid="134"/>
                                         </p:tgtEl>
                                         <p:attrNameLst>
                                           <p:attrName>style.visibility</p:attrName>
@@ -9599,46 +10276,19 @@
                     </p:cTn>
                   </p:par>
                   <p:par>
-                    <p:cTn id="55" fill="hold">
+                    <p:cTn id="57" fill="hold">
                       <p:stCondLst>
                         <p:cond delay="indefinite"/>
                       </p:stCondLst>
                       <p:childTnLst>
                         <p:par>
-                          <p:cTn id="56" fill="hold">
+                          <p:cTn id="58" fill="hold">
                             <p:stCondLst>
                               <p:cond delay="0"/>
                             </p:stCondLst>
                             <p:childTnLst>
                               <p:par>
-                                <p:cTn id="57" presetID="1" presetClass="entr" presetSubtype="0" fill="hold" grpId="0" nodeType="clickEffect">
-                                  <p:stCondLst>
-                                    <p:cond delay="0"/>
-                                  </p:stCondLst>
-                                  <p:childTnLst>
-                                    <p:set>
-                                      <p:cBhvr>
-                                        <p:cTn id="58" dur="1" fill="hold">
-                                          <p:stCondLst>
-                                            <p:cond delay="0"/>
-                                          </p:stCondLst>
-                                        </p:cTn>
-                                        <p:tgtEl>
-                                          <p:spTgt spid="149"/>
-                                        </p:tgtEl>
-                                        <p:attrNameLst>
-                                          <p:attrName>style.visibility</p:attrName>
-                                        </p:attrNameLst>
-                                      </p:cBhvr>
-                                      <p:to>
-                                        <p:strVal val="visible"/>
-                                      </p:to>
-                                    </p:set>
-                                  </p:childTnLst>
-                                </p:cTn>
-                              </p:par>
-                              <p:par>
-                                <p:cTn id="59" presetID="1" presetClass="entr" presetSubtype="0" fill="hold" nodeType="withEffect">
+                                <p:cTn id="59" presetID="1" presetClass="entr" presetSubtype="0" fill="hold" grpId="0" nodeType="clickEffect">
                                   <p:stCondLst>
                                     <p:cond delay="0"/>
                                   </p:stCondLst>
@@ -9651,7 +10301,7 @@
                                           </p:stCondLst>
                                         </p:cTn>
                                         <p:tgtEl>
-                                          <p:spTgt spid="143"/>
+                                          <p:spTgt spid="122"/>
                                         </p:tgtEl>
                                         <p:attrNameLst>
                                           <p:attrName>style.visibility</p:attrName>
@@ -9678,7 +10328,7 @@
                                           </p:stCondLst>
                                         </p:cTn>
                                         <p:tgtEl>
-                                          <p:spTgt spid="29"/>
+                                          <p:spTgt spid="118"/>
                                         </p:tgtEl>
                                         <p:attrNameLst>
                                           <p:attrName>style.visibility</p:attrName>
@@ -9691,35 +10341,26 @@
                                   </p:childTnLst>
                                 </p:cTn>
                               </p:par>
+                            </p:childTnLst>
+                          </p:cTn>
+                        </p:par>
+                      </p:childTnLst>
+                    </p:cTn>
+                  </p:par>
+                  <p:par>
+                    <p:cTn id="63" fill="hold">
+                      <p:stCondLst>
+                        <p:cond delay="indefinite"/>
+                      </p:stCondLst>
+                      <p:childTnLst>
+                        <p:par>
+                          <p:cTn id="64" fill="hold">
+                            <p:stCondLst>
+                              <p:cond delay="0"/>
+                            </p:stCondLst>
+                            <p:childTnLst>
                               <p:par>
-                                <p:cTn id="63" presetID="1" presetClass="entr" presetSubtype="0" fill="hold" grpId="0" nodeType="withEffect">
-                                  <p:stCondLst>
-                                    <p:cond delay="0"/>
-                                  </p:stCondLst>
-                                  <p:childTnLst>
-                                    <p:set>
-                                      <p:cBhvr>
-                                        <p:cTn id="64" dur="1" fill="hold">
-                                          <p:stCondLst>
-                                            <p:cond delay="0"/>
-                                          </p:stCondLst>
-                                        </p:cTn>
-                                        <p:tgtEl>
-                                          <p:spTgt spid="295"/>
-                                        </p:tgtEl>
-                                        <p:attrNameLst>
-                                          <p:attrName>style.visibility</p:attrName>
-                                        </p:attrNameLst>
-                                      </p:cBhvr>
-                                      <p:to>
-                                        <p:strVal val="visible"/>
-                                      </p:to>
-                                    </p:set>
-                                  </p:childTnLst>
-                                </p:cTn>
-                              </p:par>
-                              <p:par>
-                                <p:cTn id="65" presetID="1" presetClass="entr" presetSubtype="0" fill="hold" nodeType="withEffect">
+                                <p:cTn id="65" presetID="1" presetClass="entr" presetSubtype="0" fill="hold" grpId="0" nodeType="clickEffect">
                                   <p:stCondLst>
                                     <p:cond delay="0"/>
                                   </p:stCondLst>
@@ -9732,7 +10373,7 @@
                                           </p:stCondLst>
                                         </p:cTn>
                                         <p:tgtEl>
-                                          <p:spTgt spid="289"/>
+                                          <p:spTgt spid="114"/>
                                         </p:tgtEl>
                                         <p:attrNameLst>
                                           <p:attrName>style.visibility</p:attrName>
@@ -9759,7 +10400,34 @@
                                           </p:stCondLst>
                                         </p:cTn>
                                         <p:tgtEl>
-                                          <p:spTgt spid="290"/>
+                                          <p:spTgt spid="105"/>
+                                        </p:tgtEl>
+                                        <p:attrNameLst>
+                                          <p:attrName>style.visibility</p:attrName>
+                                        </p:attrNameLst>
+                                      </p:cBhvr>
+                                      <p:to>
+                                        <p:strVal val="visible"/>
+                                      </p:to>
+                                    </p:set>
+                                  </p:childTnLst>
+                                </p:cTn>
+                              </p:par>
+                              <p:par>
+                                <p:cTn id="69" presetID="1" presetClass="entr" presetSubtype="0" fill="hold" nodeType="withEffect">
+                                  <p:stCondLst>
+                                    <p:cond delay="0"/>
+                                  </p:stCondLst>
+                                  <p:childTnLst>
+                                    <p:set>
+                                      <p:cBhvr>
+                                        <p:cTn id="70" dur="1" fill="hold">
+                                          <p:stCondLst>
+                                            <p:cond delay="0"/>
+                                          </p:stCondLst>
+                                        </p:cTn>
+                                        <p:tgtEl>
+                                          <p:spTgt spid="124"/>
                                         </p:tgtEl>
                                         <p:attrNameLst>
                                           <p:attrName>style.visibility</p:attrName>
@@ -9779,46 +10447,19 @@
                     </p:cTn>
                   </p:par>
                   <p:par>
-                    <p:cTn id="69" fill="hold">
+                    <p:cTn id="71" fill="hold">
                       <p:stCondLst>
                         <p:cond delay="indefinite"/>
                       </p:stCondLst>
                       <p:childTnLst>
                         <p:par>
-                          <p:cTn id="70" fill="hold">
+                          <p:cTn id="72" fill="hold">
                             <p:stCondLst>
                               <p:cond delay="0"/>
                             </p:stCondLst>
                             <p:childTnLst>
                               <p:par>
-                                <p:cTn id="71" presetID="1" presetClass="entr" presetSubtype="0" fill="hold" grpId="0" nodeType="clickEffect">
-                                  <p:stCondLst>
-                                    <p:cond delay="0"/>
-                                  </p:stCondLst>
-                                  <p:childTnLst>
-                                    <p:set>
-                                      <p:cBhvr>
-                                        <p:cTn id="72" dur="1" fill="hold">
-                                          <p:stCondLst>
-                                            <p:cond delay="0"/>
-                                          </p:stCondLst>
-                                        </p:cTn>
-                                        <p:tgtEl>
-                                          <p:spTgt spid="53"/>
-                                        </p:tgtEl>
-                                        <p:attrNameLst>
-                                          <p:attrName>style.visibility</p:attrName>
-                                        </p:attrNameLst>
-                                      </p:cBhvr>
-                                      <p:to>
-                                        <p:strVal val="visible"/>
-                                      </p:to>
-                                    </p:set>
-                                  </p:childTnLst>
-                                </p:cTn>
-                              </p:par>
-                              <p:par>
-                                <p:cTn id="73" presetID="1" presetClass="entr" presetSubtype="0" fill="hold" nodeType="withEffect">
+                                <p:cTn id="73" presetID="1" presetClass="entr" presetSubtype="0" fill="hold" grpId="0" nodeType="clickEffect">
                                   <p:stCondLst>
                                     <p:cond delay="0"/>
                                   </p:stCondLst>
@@ -9831,7 +10472,7 @@
                                           </p:stCondLst>
                                         </p:cTn>
                                         <p:tgtEl>
-                                          <p:spTgt spid="132"/>
+                                          <p:spTgt spid="161"/>
                                         </p:tgtEl>
                                         <p:attrNameLst>
                                           <p:attrName>style.visibility</p:attrName>
@@ -9858,7 +10499,34 @@
                                           </p:stCondLst>
                                         </p:cTn>
                                         <p:tgtEl>
-                                          <p:spTgt spid="67"/>
+                                          <p:spTgt spid="159"/>
+                                        </p:tgtEl>
+                                        <p:attrNameLst>
+                                          <p:attrName>style.visibility</p:attrName>
+                                        </p:attrNameLst>
+                                      </p:cBhvr>
+                                      <p:to>
+                                        <p:strVal val="visible"/>
+                                      </p:to>
+                                    </p:set>
+                                  </p:childTnLst>
+                                </p:cTn>
+                              </p:par>
+                              <p:par>
+                                <p:cTn id="77" presetID="1" presetClass="entr" presetSubtype="0" fill="hold" nodeType="withEffect">
+                                  <p:stCondLst>
+                                    <p:cond delay="0"/>
+                                  </p:stCondLst>
+                                  <p:childTnLst>
+                                    <p:set>
+                                      <p:cBhvr>
+                                        <p:cTn id="78" dur="1" fill="hold">
+                                          <p:stCondLst>
+                                            <p:cond delay="0"/>
+                                          </p:stCondLst>
+                                        </p:cTn>
+                                        <p:tgtEl>
+                                          <p:spTgt spid="160"/>
                                         </p:tgtEl>
                                         <p:attrNameLst>
                                           <p:attrName>style.visibility</p:attrName>
@@ -9878,46 +10546,19 @@
                     </p:cTn>
                   </p:par>
                   <p:par>
-                    <p:cTn id="77" fill="hold">
+                    <p:cTn id="79" fill="hold">
                       <p:stCondLst>
                         <p:cond delay="indefinite"/>
                       </p:stCondLst>
                       <p:childTnLst>
                         <p:par>
-                          <p:cTn id="78" fill="hold">
+                          <p:cTn id="80" fill="hold">
                             <p:stCondLst>
                               <p:cond delay="0"/>
                             </p:stCondLst>
                             <p:childTnLst>
                               <p:par>
-                                <p:cTn id="79" presetID="1" presetClass="entr" presetSubtype="0" fill="hold" nodeType="clickEffect">
-                                  <p:stCondLst>
-                                    <p:cond delay="0"/>
-                                  </p:stCondLst>
-                                  <p:childTnLst>
-                                    <p:set>
-                                      <p:cBhvr>
-                                        <p:cTn id="80" dur="1" fill="hold">
-                                          <p:stCondLst>
-                                            <p:cond delay="0"/>
-                                          </p:stCondLst>
-                                        </p:cTn>
-                                        <p:tgtEl>
-                                          <p:spTgt spid="187"/>
-                                        </p:tgtEl>
-                                        <p:attrNameLst>
-                                          <p:attrName>style.visibility</p:attrName>
-                                        </p:attrNameLst>
-                                      </p:cBhvr>
-                                      <p:to>
-                                        <p:strVal val="visible"/>
-                                      </p:to>
-                                    </p:set>
-                                  </p:childTnLst>
-                                </p:cTn>
-                              </p:par>
-                              <p:par>
-                                <p:cTn id="81" presetID="1" presetClass="entr" presetSubtype="0" fill="hold" nodeType="withEffect">
+                                <p:cTn id="81" presetID="1" presetClass="entr" presetSubtype="0" fill="hold" grpId="0" nodeType="clickEffect">
                                   <p:stCondLst>
                                     <p:cond delay="0"/>
                                   </p:stCondLst>
@@ -9930,7 +10571,7 @@
                                           </p:stCondLst>
                                         </p:cTn>
                                         <p:tgtEl>
-                                          <p:spTgt spid="191"/>
+                                          <p:spTgt spid="152"/>
                                         </p:tgtEl>
                                         <p:attrNameLst>
                                           <p:attrName>style.visibility</p:attrName>
@@ -9957,7 +10598,7 @@
                                           </p:stCondLst>
                                         </p:cTn>
                                         <p:tgtEl>
-                                          <p:spTgt spid="192"/>
+                                          <p:spTgt spid="153"/>
                                         </p:tgtEl>
                                         <p:attrNameLst>
                                           <p:attrName>style.visibility</p:attrName>
@@ -9971,7 +10612,7 @@
                                 </p:cTn>
                               </p:par>
                               <p:par>
-                                <p:cTn id="85" presetID="1" presetClass="entr" presetSubtype="0" fill="hold" grpId="0" nodeType="withEffect">
+                                <p:cTn id="85" presetID="1" presetClass="entr" presetSubtype="0" fill="hold" nodeType="withEffect">
                                   <p:stCondLst>
                                     <p:cond delay="0"/>
                                   </p:stCondLst>
@@ -9984,7 +10625,7 @@
                                           </p:stCondLst>
                                         </p:cTn>
                                         <p:tgtEl>
-                                          <p:spTgt spid="197"/>
+                                          <p:spTgt spid="154"/>
                                         </p:tgtEl>
                                         <p:attrNameLst>
                                           <p:attrName>style.visibility</p:attrName>
@@ -9997,21 +10638,39 @@
                                   </p:childTnLst>
                                 </p:cTn>
                               </p:par>
+                            </p:childTnLst>
+                          </p:cTn>
+                        </p:par>
+                      </p:childTnLst>
+                    </p:cTn>
+                  </p:par>
+                  <p:par>
+                    <p:cTn id="87" fill="hold">
+                      <p:stCondLst>
+                        <p:cond delay="indefinite"/>
+                      </p:stCondLst>
+                      <p:childTnLst>
+                        <p:par>
+                          <p:cTn id="88" fill="hold">
+                            <p:stCondLst>
+                              <p:cond delay="0"/>
+                            </p:stCondLst>
+                            <p:childTnLst>
                               <p:par>
-                                <p:cTn id="87" presetID="1" presetClass="entr" presetSubtype="0" fill="hold" grpId="0" nodeType="withEffect">
+                                <p:cTn id="89" presetID="1" presetClass="entr" presetSubtype="0" fill="hold" nodeType="clickEffect">
                                   <p:stCondLst>
                                     <p:cond delay="0"/>
                                   </p:stCondLst>
                                   <p:childTnLst>
                                     <p:set>
                                       <p:cBhvr>
-                                        <p:cTn id="88" dur="1" fill="hold">
+                                        <p:cTn id="90" dur="1" fill="hold">
                                           <p:stCondLst>
                                             <p:cond delay="0"/>
                                           </p:stCondLst>
                                         </p:cTn>
                                         <p:tgtEl>
-                                          <p:spTgt spid="101"/>
+                                          <p:spTgt spid="104"/>
                                         </p:tgtEl>
                                         <p:attrNameLst>
                                           <p:attrName>style.visibility</p:attrName>
@@ -10024,62 +10683,26 @@
                                   </p:childTnLst>
                                 </p:cTn>
                               </p:par>
+                            </p:childTnLst>
+                          </p:cTn>
+                        </p:par>
+                      </p:childTnLst>
+                    </p:cTn>
+                  </p:par>
+                  <p:par>
+                    <p:cTn id="91" fill="hold">
+                      <p:stCondLst>
+                        <p:cond delay="indefinite"/>
+                      </p:stCondLst>
+                      <p:childTnLst>
+                        <p:par>
+                          <p:cTn id="92" fill="hold">
+                            <p:stCondLst>
+                              <p:cond delay="0"/>
+                            </p:stCondLst>
+                            <p:childTnLst>
                               <p:par>
-                                <p:cTn id="89" presetID="1" presetClass="entr" presetSubtype="0" fill="hold" grpId="0" nodeType="withEffect">
-                                  <p:stCondLst>
-                                    <p:cond delay="0"/>
-                                  </p:stCondLst>
-                                  <p:childTnLst>
-                                    <p:set>
-                                      <p:cBhvr>
-                                        <p:cTn id="90" dur="1" fill="hold">
-                                          <p:stCondLst>
-                                            <p:cond delay="0"/>
-                                          </p:stCondLst>
-                                        </p:cTn>
-                                        <p:tgtEl>
-                                          <p:spTgt spid="100"/>
-                                        </p:tgtEl>
-                                        <p:attrNameLst>
-                                          <p:attrName>style.visibility</p:attrName>
-                                        </p:attrNameLst>
-                                      </p:cBhvr>
-                                      <p:to>
-                                        <p:strVal val="visible"/>
-                                      </p:to>
-                                    </p:set>
-                                  </p:childTnLst>
-                                </p:cTn>
-                              </p:par>
-                              <p:par>
-                                <p:cTn id="91" presetID="1" presetClass="entr" presetSubtype="0" fill="hold" nodeType="withEffect">
-                                  <p:stCondLst>
-                                    <p:cond delay="0"/>
-                                  </p:stCondLst>
-                                  <p:childTnLst>
-                                    <p:set>
-                                      <p:cBhvr>
-                                        <p:cTn id="92" dur="1" fill="hold">
-                                          <p:stCondLst>
-                                            <p:cond delay="0"/>
-                                          </p:stCondLst>
-                                        </p:cTn>
-                                        <p:tgtEl>
-                                          <p:spTgt spid="102"/>
-                                        </p:tgtEl>
-                                        <p:attrNameLst>
-                                          <p:attrName>style.visibility</p:attrName>
-                                        </p:attrNameLst>
-                                      </p:cBhvr>
-                                      <p:to>
-                                        <p:strVal val="visible"/>
-                                      </p:to>
-                                    </p:set>
-                                  </p:childTnLst>
-                                </p:cTn>
-                              </p:par>
-                              <p:par>
-                                <p:cTn id="93" presetID="1" presetClass="entr" presetSubtype="0" fill="hold" grpId="0" nodeType="withEffect">
+                                <p:cTn id="93" presetID="1" presetClass="entr" presetSubtype="0" fill="hold" grpId="0" nodeType="clickEffect">
                                   <p:stCondLst>
                                     <p:cond delay="0"/>
                                   </p:stCondLst>
@@ -10092,7 +10715,7 @@
                                           </p:stCondLst>
                                         </p:cTn>
                                         <p:tgtEl>
-                                          <p:spTgt spid="302"/>
+                                          <p:spTgt spid="37"/>
                                         </p:tgtEl>
                                         <p:attrNameLst>
                                           <p:attrName>style.visibility</p:attrName>
@@ -10119,7 +10742,7 @@
                                           </p:stCondLst>
                                         </p:cTn>
                                         <p:tgtEl>
-                                          <p:spTgt spid="296"/>
+                                          <p:spTgt spid="63"/>
                                         </p:tgtEl>
                                         <p:attrNameLst>
                                           <p:attrName>style.visibility</p:attrName>
@@ -10146,7 +10769,7 @@
                                           </p:stCondLst>
                                         </p:cTn>
                                         <p:tgtEl>
-                                          <p:spTgt spid="297"/>
+                                          <p:spTgt spid="156"/>
                                         </p:tgtEl>
                                         <p:attrNameLst>
                                           <p:attrName>style.visibility</p:attrName>
@@ -10160,7 +10783,7 @@
                                 </p:cTn>
                               </p:par>
                               <p:par>
-                                <p:cTn id="99" presetID="1" presetClass="entr" presetSubtype="0" fill="hold" nodeType="withEffect">
+                                <p:cTn id="99" presetID="1" presetClass="entr" presetSubtype="0" fill="hold" grpId="0" nodeType="withEffect">
                                   <p:stCondLst>
                                     <p:cond delay="0"/>
                                   </p:stCondLst>
@@ -10173,7 +10796,7 @@
                                           </p:stCondLst>
                                         </p:cTn>
                                         <p:tgtEl>
-                                          <p:spTgt spid="177"/>
+                                          <p:spTgt spid="80"/>
                                         </p:tgtEl>
                                         <p:attrNameLst>
                                           <p:attrName>style.visibility</p:attrName>
@@ -10187,7 +10810,7 @@
                                 </p:cTn>
                               </p:par>
                               <p:par>
-                                <p:cTn id="101" presetID="1" presetClass="entr" presetSubtype="0" fill="hold" grpId="0" nodeType="withEffect">
+                                <p:cTn id="101" presetID="1" presetClass="entr" presetSubtype="0" fill="hold" nodeType="withEffect">
                                   <p:stCondLst>
                                     <p:cond delay="0"/>
                                   </p:stCondLst>
@@ -10200,7 +10823,52 @@
                                           </p:stCondLst>
                                         </p:cTn>
                                         <p:tgtEl>
-                                          <p:spTgt spid="178"/>
+                                          <p:spTgt spid="131"/>
+                                        </p:tgtEl>
+                                        <p:attrNameLst>
+                                          <p:attrName>style.visibility</p:attrName>
+                                        </p:attrNameLst>
+                                      </p:cBhvr>
+                                      <p:to>
+                                        <p:strVal val="visible"/>
+                                      </p:to>
+                                    </p:set>
+                                  </p:childTnLst>
+                                </p:cTn>
+                              </p:par>
+                            </p:childTnLst>
+                          </p:cTn>
+                        </p:par>
+                      </p:childTnLst>
+                    </p:cTn>
+                  </p:par>
+                  <p:par>
+                    <p:cTn id="103" fill="hold">
+                      <p:stCondLst>
+                        <p:cond delay="indefinite"/>
+                      </p:stCondLst>
+                      <p:childTnLst>
+                        <p:par>
+                          <p:cTn id="104" fill="hold">
+                            <p:stCondLst>
+                              <p:cond delay="0"/>
+                            </p:stCondLst>
+                            <p:childTnLst>
+                              <p:par>
+                                <p:cTn id="105" presetID="1" presetClass="entr" presetSubtype="0" fill="hold" nodeType="clickEffect">
+                                  <p:stCondLst>
+                                    <p:cond delay="0"/>
+                                  </p:stCondLst>
+                                  <p:childTnLst>
+                                    <p:set>
+                                      <p:cBhvr>
+                                        <p:cTn id="106" dur="1" fill="hold">
+                                          <p:stCondLst>
+                                            <p:cond delay="0"/>
+                                          </p:stCondLst>
+                                        </p:cTn>
+                                        <p:tgtEl>
+                                          <p:spTgt spid="69"/>
                                         </p:tgtEl>
                                         <p:attrNameLst>
                                           <p:attrName>style.visibility</p:attrName>
@@ -10214,61 +10882,7 @@
                                 </p:cTn>
                               </p:par>
                               <p:par>
-                                <p:cTn id="103" presetID="1" presetClass="entr" presetSubtype="0" fill="hold" nodeType="withEffect">
-                                  <p:stCondLst>
-                                    <p:cond delay="0"/>
-                                  </p:stCondLst>
-                                  <p:childTnLst>
-                                    <p:set>
-                                      <p:cBhvr>
-                                        <p:cTn id="104" dur="1" fill="hold">
-                                          <p:stCondLst>
-                                            <p:cond delay="0"/>
-                                          </p:stCondLst>
-                                        </p:cTn>
-                                        <p:tgtEl>
-                                          <p:spTgt spid="190"/>
-                                        </p:tgtEl>
-                                        <p:attrNameLst>
-                                          <p:attrName>style.visibility</p:attrName>
-                                        </p:attrNameLst>
-                                      </p:cBhvr>
-                                      <p:to>
-                                        <p:strVal val="visible"/>
-                                      </p:to>
-                                    </p:set>
-                                  </p:childTnLst>
-                                </p:cTn>
-                              </p:par>
-                              <p:par>
-                                <p:cTn id="105" presetID="1" presetClass="entr" presetSubtype="0" fill="hold" nodeType="withEffect">
-                                  <p:stCondLst>
-                                    <p:cond delay="0"/>
-                                  </p:stCondLst>
-                                  <p:childTnLst>
-                                    <p:set>
-                                      <p:cBhvr>
-                                        <p:cTn id="106" dur="1" fill="hold">
-                                          <p:stCondLst>
-                                            <p:cond delay="0"/>
-                                          </p:stCondLst>
-                                        </p:cTn>
-                                        <p:tgtEl>
-                                          <p:spTgt spid="129"/>
-                                        </p:tgtEl>
-                                        <p:attrNameLst>
-                                          <p:attrName>style.visibility</p:attrName>
-                                        </p:attrNameLst>
-                                      </p:cBhvr>
-                                      <p:to>
-                                        <p:strVal val="visible"/>
-                                      </p:to>
-                                    </p:set>
-                                  </p:childTnLst>
-                                </p:cTn>
-                              </p:par>
-                              <p:par>
-                                <p:cTn id="107" presetID="1" presetClass="entr" presetSubtype="0" fill="hold" nodeType="withEffect">
+                                <p:cTn id="107" presetID="1" presetClass="entr" presetSubtype="0" fill="hold" grpId="0" nodeType="withEffect">
                                   <p:stCondLst>
                                     <p:cond delay="0"/>
                                   </p:stCondLst>
@@ -10281,7 +10895,7 @@
                                           </p:stCondLst>
                                         </p:cTn>
                                         <p:tgtEl>
-                                          <p:spTgt spid="179"/>
+                                          <p:spTgt spid="74"/>
                                         </p:tgtEl>
                                         <p:attrNameLst>
                                           <p:attrName>style.visibility</p:attrName>
@@ -10326,7 +10940,61 @@
                                           </p:stCondLst>
                                         </p:cTn>
                                         <p:tgtEl>
-                                          <p:spTgt spid="255"/>
+                                          <p:spTgt spid="84"/>
+                                        </p:tgtEl>
+                                        <p:attrNameLst>
+                                          <p:attrName>style.visibility</p:attrName>
+                                        </p:attrNameLst>
+                                      </p:cBhvr>
+                                      <p:to>
+                                        <p:strVal val="visible"/>
+                                      </p:to>
+                                    </p:set>
+                                  </p:childTnLst>
+                                </p:cTn>
+                              </p:par>
+                              <p:par>
+                                <p:cTn id="113" presetID="1" presetClass="entr" presetSubtype="0" fill="hold" grpId="0" nodeType="withEffect">
+                                  <p:stCondLst>
+                                    <p:cond delay="0"/>
+                                  </p:stCondLst>
+                                  <p:childTnLst>
+                                    <p:set>
+                                      <p:cBhvr>
+                                        <p:cTn id="114" dur="1" fill="hold">
+                                          <p:stCondLst>
+                                            <p:cond delay="0"/>
+                                          </p:stCondLst>
+                                        </p:cTn>
+                                        <p:tgtEl>
+                                          <p:spTgt spid="83"/>
+                                        </p:tgtEl>
+                                        <p:attrNameLst>
+                                          <p:attrName>style.visibility</p:attrName>
+                                        </p:attrNameLst>
+                                      </p:cBhvr>
+                                      <p:to>
+                                        <p:strVal val="visible"/>
+                                      </p:to>
+                                    </p:set>
+                                  </p:childTnLst>
+                                </p:cTn>
+                              </p:par>
+                              <p:par>
+                                <p:cTn id="115" presetID="1" presetClass="entr" presetSubtype="0" fill="hold" nodeType="withEffect">
+                                  <p:stCondLst>
+                                    <p:cond delay="0"/>
+                                  </p:stCondLst>
+                                  <p:childTnLst>
+                                    <p:set>
+                                      <p:cBhvr>
+                                        <p:cTn id="116" dur="1" fill="hold">
+                                          <p:stCondLst>
+                                            <p:cond delay="0"/>
+                                          </p:stCondLst>
+                                        </p:cTn>
+                                        <p:tgtEl>
+                                          <p:spTgt spid="96"/>
                                         </p:tgtEl>
                                         <p:attrNameLst>
                                           <p:attrName>style.visibility</p:attrName>
@@ -10346,32 +11014,32 @@
                     </p:cTn>
                   </p:par>
                   <p:par>
-                    <p:cTn id="113" fill="hold">
+                    <p:cTn id="117" fill="hold">
                       <p:stCondLst>
                         <p:cond delay="indefinite"/>
                       </p:stCondLst>
                       <p:childTnLst>
                         <p:par>
-                          <p:cTn id="114" fill="hold">
+                          <p:cTn id="118" fill="hold">
                             <p:stCondLst>
                               <p:cond delay="0"/>
                             </p:stCondLst>
                             <p:childTnLst>
                               <p:par>
-                                <p:cTn id="115" presetID="1" presetClass="entr" presetSubtype="0" fill="hold" grpId="0" nodeType="clickEffect">
+                                <p:cTn id="119" presetID="1" presetClass="entr" presetSubtype="0" fill="hold" nodeType="clickEffect">
                                   <p:stCondLst>
                                     <p:cond delay="0"/>
                                   </p:stCondLst>
                                   <p:childTnLst>
                                     <p:set>
                                       <p:cBhvr>
-                                        <p:cTn id="116" dur="1" fill="hold">
+                                        <p:cTn id="120" dur="1" fill="hold">
                                           <p:stCondLst>
                                             <p:cond delay="0"/>
                                           </p:stCondLst>
                                         </p:cTn>
                                         <p:tgtEl>
-                                          <p:spTgt spid="115"/>
+                                          <p:spTgt spid="142"/>
                                         </p:tgtEl>
                                         <p:attrNameLst>
                                           <p:attrName>style.visibility</p:attrName>
@@ -10384,89 +11052,26 @@
                                   </p:childTnLst>
                                 </p:cTn>
                               </p:par>
+                            </p:childTnLst>
+                          </p:cTn>
+                        </p:par>
+                      </p:childTnLst>
+                    </p:cTn>
+                  </p:par>
+                  <p:par>
+                    <p:cTn id="121" fill="hold">
+                      <p:stCondLst>
+                        <p:cond delay="indefinite"/>
+                      </p:stCondLst>
+                      <p:childTnLst>
+                        <p:par>
+                          <p:cTn id="122" fill="hold">
+                            <p:stCondLst>
+                              <p:cond delay="0"/>
+                            </p:stCondLst>
+                            <p:childTnLst>
                               <p:par>
-                                <p:cTn id="117" presetID="1" presetClass="entr" presetSubtype="0" fill="hold" grpId="0" nodeType="withEffect">
-                                  <p:stCondLst>
-                                    <p:cond delay="0"/>
-                                  </p:stCondLst>
-                                  <p:childTnLst>
-                                    <p:set>
-                                      <p:cBhvr>
-                                        <p:cTn id="118" dur="1" fill="hold">
-                                          <p:stCondLst>
-                                            <p:cond delay="0"/>
-                                          </p:stCondLst>
-                                        </p:cTn>
-                                        <p:tgtEl>
-                                          <p:spTgt spid="110"/>
-                                        </p:tgtEl>
-                                        <p:attrNameLst>
-                                          <p:attrName>style.visibility</p:attrName>
-                                        </p:attrNameLst>
-                                      </p:cBhvr>
-                                      <p:to>
-                                        <p:strVal val="visible"/>
-                                      </p:to>
-                                    </p:set>
-                                  </p:childTnLst>
-                                </p:cTn>
-                              </p:par>
-                              <p:par>
-                                <p:cTn id="119" presetID="1" presetClass="entr" presetSubtype="0" fill="hold" nodeType="withEffect">
-                                  <p:stCondLst>
-                                    <p:cond delay="0"/>
-                                  </p:stCondLst>
-                                  <p:childTnLst>
-                                    <p:set>
-                                      <p:cBhvr>
-                                        <p:cTn id="120" dur="1" fill="hold">
-                                          <p:stCondLst>
-                                            <p:cond delay="0"/>
-                                          </p:stCondLst>
-                                        </p:cTn>
-                                        <p:tgtEl>
-                                          <p:spTgt spid="108"/>
-                                        </p:tgtEl>
-                                        <p:attrNameLst>
-                                          <p:attrName>style.visibility</p:attrName>
-                                        </p:attrNameLst>
-                                      </p:cBhvr>
-                                      <p:to>
-                                        <p:strVal val="visible"/>
-                                      </p:to>
-                                    </p:set>
-                                  </p:childTnLst>
-                                </p:cTn>
-                              </p:par>
-                              <p:par>
-                                <p:cTn id="121" presetID="1" presetClass="entr" presetSubtype="0" fill="hold" nodeType="withEffect">
-                                  <p:stCondLst>
-                                    <p:cond delay="0"/>
-                                  </p:stCondLst>
-                                  <p:childTnLst>
-                                    <p:set>
-                                      <p:cBhvr>
-                                        <p:cTn id="122" dur="1" fill="hold">
-                                          <p:stCondLst>
-                                            <p:cond delay="0"/>
-                                          </p:stCondLst>
-                                        </p:cTn>
-                                        <p:tgtEl>
-                                          <p:spTgt spid="111"/>
-                                        </p:tgtEl>
-                                        <p:attrNameLst>
-                                          <p:attrName>style.visibility</p:attrName>
-                                        </p:attrNameLst>
-                                      </p:cBhvr>
-                                      <p:to>
-                                        <p:strVal val="visible"/>
-                                      </p:to>
-                                    </p:set>
-                                  </p:childTnLst>
-                                </p:cTn>
-                              </p:par>
-                              <p:par>
-                                <p:cTn id="123" presetID="1" presetClass="entr" presetSubtype="0" fill="hold" grpId="0" nodeType="withEffect">
+                                <p:cTn id="123" presetID="1" presetClass="entr" presetSubtype="0" fill="hold" grpId="0" nodeType="clickEffect">
                                   <p:stCondLst>
                                     <p:cond delay="0"/>
                                   </p:stCondLst>
@@ -10479,7 +11084,7 @@
                                           </p:stCondLst>
                                         </p:cTn>
                                         <p:tgtEl>
-                                          <p:spTgt spid="117"/>
+                                          <p:spTgt spid="267"/>
                                         </p:tgtEl>
                                         <p:attrNameLst>
                                           <p:attrName>style.visibility</p:attrName>
@@ -10506,61 +11111,7 @@
                                           </p:stCondLst>
                                         </p:cTn>
                                         <p:tgtEl>
-                                          <p:spTgt spid="106"/>
-                                        </p:tgtEl>
-                                        <p:attrNameLst>
-                                          <p:attrName>style.visibility</p:attrName>
-                                        </p:attrNameLst>
-                                      </p:cBhvr>
-                                      <p:to>
-                                        <p:strVal val="visible"/>
-                                      </p:to>
-                                    </p:set>
-                                  </p:childTnLst>
-                                </p:cTn>
-                              </p:par>
-                              <p:par>
-                                <p:cTn id="127" presetID="1" presetClass="entr" presetSubtype="0" fill="hold" nodeType="withEffect">
-                                  <p:stCondLst>
-                                    <p:cond delay="0"/>
-                                  </p:stCondLst>
-                                  <p:childTnLst>
-                                    <p:set>
-                                      <p:cBhvr>
-                                        <p:cTn id="128" dur="1" fill="hold">
-                                          <p:stCondLst>
-                                            <p:cond delay="0"/>
-                                          </p:stCondLst>
-                                        </p:cTn>
-                                        <p:tgtEl>
-                                          <p:spTgt spid="120"/>
-                                        </p:tgtEl>
-                                        <p:attrNameLst>
-                                          <p:attrName>style.visibility</p:attrName>
-                                        </p:attrNameLst>
-                                      </p:cBhvr>
-                                      <p:to>
-                                        <p:strVal val="visible"/>
-                                      </p:to>
-                                    </p:set>
-                                  </p:childTnLst>
-                                </p:cTn>
-                              </p:par>
-                              <p:par>
-                                <p:cTn id="129" presetID="1" presetClass="entr" presetSubtype="0" fill="hold" nodeType="withEffect">
-                                  <p:stCondLst>
-                                    <p:cond delay="0"/>
-                                  </p:stCondLst>
-                                  <p:childTnLst>
-                                    <p:set>
-                                      <p:cBhvr>
-                                        <p:cTn id="130" dur="1" fill="hold">
-                                          <p:stCondLst>
-                                            <p:cond delay="0"/>
-                                          </p:stCondLst>
-                                        </p:cTn>
-                                        <p:tgtEl>
-                                          <p:spTgt spid="107"/>
+                                          <p:spTgt spid="274"/>
                                         </p:tgtEl>
                                         <p:attrNameLst>
                                           <p:attrName>style.visibility</p:attrName>
@@ -10580,32 +11131,32 @@
                     </p:cTn>
                   </p:par>
                   <p:par>
-                    <p:cTn id="131" fill="hold">
+                    <p:cTn id="127" fill="hold">
                       <p:stCondLst>
                         <p:cond delay="indefinite"/>
                       </p:stCondLst>
                       <p:childTnLst>
                         <p:par>
-                          <p:cTn id="132" fill="hold">
+                          <p:cTn id="128" fill="hold">
                             <p:stCondLst>
                               <p:cond delay="0"/>
                             </p:stCondLst>
                             <p:childTnLst>
                               <p:par>
-                                <p:cTn id="133" presetID="1" presetClass="entr" presetSubtype="0" fill="hold" grpId="0" nodeType="clickEffect">
+                                <p:cTn id="129" presetID="1" presetClass="entr" presetSubtype="0" fill="hold" grpId="0" nodeType="clickEffect">
                                   <p:stCondLst>
                                     <p:cond delay="0"/>
                                   </p:stCondLst>
                                   <p:childTnLst>
                                     <p:set>
                                       <p:cBhvr>
-                                        <p:cTn id="134" dur="1" fill="hold">
+                                        <p:cTn id="130" dur="1" fill="hold">
                                           <p:stCondLst>
                                             <p:cond delay="0"/>
                                           </p:stCondLst>
                                         </p:cTn>
                                         <p:tgtEl>
-                                          <p:spTgt spid="114"/>
+                                          <p:spTgt spid="149"/>
                                         </p:tgtEl>
                                         <p:attrNameLst>
                                           <p:attrName>style.visibility</p:attrName>
@@ -10619,7 +11170,61 @@
                                 </p:cTn>
                               </p:par>
                               <p:par>
-                                <p:cTn id="135" presetID="1" presetClass="entr" presetSubtype="0" fill="hold" nodeType="withEffect">
+                                <p:cTn id="131" presetID="1" presetClass="entr" presetSubtype="0" fill="hold" nodeType="withEffect">
+                                  <p:stCondLst>
+                                    <p:cond delay="0"/>
+                                  </p:stCondLst>
+                                  <p:childTnLst>
+                                    <p:set>
+                                      <p:cBhvr>
+                                        <p:cTn id="132" dur="1" fill="hold">
+                                          <p:stCondLst>
+                                            <p:cond delay="0"/>
+                                          </p:stCondLst>
+                                        </p:cTn>
+                                        <p:tgtEl>
+                                          <p:spTgt spid="143"/>
+                                        </p:tgtEl>
+                                        <p:attrNameLst>
+                                          <p:attrName>style.visibility</p:attrName>
+                                        </p:attrNameLst>
+                                      </p:cBhvr>
+                                      <p:to>
+                                        <p:strVal val="visible"/>
+                                      </p:to>
+                                    </p:set>
+                                  </p:childTnLst>
+                                </p:cTn>
+                              </p:par>
+                              <p:par>
+                                <p:cTn id="133" presetID="1" presetClass="entr" presetSubtype="0" fill="hold" nodeType="withEffect">
+                                  <p:stCondLst>
+                                    <p:cond delay="0"/>
+                                  </p:stCondLst>
+                                  <p:childTnLst>
+                                    <p:set>
+                                      <p:cBhvr>
+                                        <p:cTn id="134" dur="1" fill="hold">
+                                          <p:stCondLst>
+                                            <p:cond delay="0"/>
+                                          </p:stCondLst>
+                                        </p:cTn>
+                                        <p:tgtEl>
+                                          <p:spTgt spid="29"/>
+                                        </p:tgtEl>
+                                        <p:attrNameLst>
+                                          <p:attrName>style.visibility</p:attrName>
+                                        </p:attrNameLst>
+                                      </p:cBhvr>
+                                      <p:to>
+                                        <p:strVal val="visible"/>
+                                      </p:to>
+                                    </p:set>
+                                  </p:childTnLst>
+                                </p:cTn>
+                              </p:par>
+                              <p:par>
+                                <p:cTn id="135" presetID="1" presetClass="entr" presetSubtype="0" fill="hold" grpId="0" nodeType="withEffect">
                                   <p:stCondLst>
                                     <p:cond delay="0"/>
                                   </p:stCondLst>
@@ -10632,7 +11237,7 @@
                                           </p:stCondLst>
                                         </p:cTn>
                                         <p:tgtEl>
-                                          <p:spTgt spid="105"/>
+                                          <p:spTgt spid="295"/>
                                         </p:tgtEl>
                                         <p:attrNameLst>
                                           <p:attrName>style.visibility</p:attrName>
@@ -10659,7 +11264,7 @@
                                           </p:stCondLst>
                                         </p:cTn>
                                         <p:tgtEl>
-                                          <p:spTgt spid="124"/>
+                                          <p:spTgt spid="289"/>
                                         </p:tgtEl>
                                         <p:attrNameLst>
                                           <p:attrName>style.visibility</p:attrName>
@@ -10686,7 +11291,7 @@
                                           </p:stCondLst>
                                         </p:cTn>
                                         <p:tgtEl>
-                                          <p:spTgt spid="104"/>
+                                          <p:spTgt spid="290"/>
                                         </p:tgtEl>
                                         <p:attrNameLst>
                                           <p:attrName>style.visibility</p:attrName>
@@ -10731,7 +11336,7 @@
                                           </p:stCondLst>
                                         </p:cTn>
                                         <p:tgtEl>
-                                          <p:spTgt spid="37"/>
+                                          <p:spTgt spid="53"/>
                                         </p:tgtEl>
                                         <p:attrNameLst>
                                           <p:attrName>style.visibility</p:attrName>
@@ -10758,7 +11363,7 @@
                                           </p:stCondLst>
                                         </p:cTn>
                                         <p:tgtEl>
-                                          <p:spTgt spid="63"/>
+                                          <p:spTgt spid="132"/>
                                         </p:tgtEl>
                                         <p:attrNameLst>
                                           <p:attrName>style.visibility</p:attrName>
@@ -10785,34 +11390,7 @@
                                           </p:stCondLst>
                                         </p:cTn>
                                         <p:tgtEl>
-                                          <p:spTgt spid="156"/>
-                                        </p:tgtEl>
-                                        <p:attrNameLst>
-                                          <p:attrName>style.visibility</p:attrName>
-                                        </p:attrNameLst>
-                                      </p:cBhvr>
-                                      <p:to>
-                                        <p:strVal val="visible"/>
-                                      </p:to>
-                                    </p:set>
-                                  </p:childTnLst>
-                                </p:cTn>
-                              </p:par>
-                              <p:par>
-                                <p:cTn id="149" presetID="1" presetClass="entr" presetSubtype="0" fill="hold" grpId="0" nodeType="withEffect">
-                                  <p:stCondLst>
-                                    <p:cond delay="0"/>
-                                  </p:stCondLst>
-                                  <p:childTnLst>
-                                    <p:set>
-                                      <p:cBhvr>
-                                        <p:cTn id="150" dur="1" fill="hold">
-                                          <p:stCondLst>
-                                            <p:cond delay="0"/>
-                                          </p:stCondLst>
-                                        </p:cTn>
-                                        <p:tgtEl>
-                                          <p:spTgt spid="80"/>
+                                          <p:spTgt spid="67"/>
                                         </p:tgtEl>
                                         <p:attrNameLst>
                                           <p:attrName>style.visibility</p:attrName>
@@ -10832,32 +11410,32 @@
                     </p:cTn>
                   </p:par>
                   <p:par>
-                    <p:cTn id="151" fill="hold">
+                    <p:cTn id="149" fill="hold">
                       <p:stCondLst>
                         <p:cond delay="indefinite"/>
                       </p:stCondLst>
                       <p:childTnLst>
                         <p:par>
-                          <p:cTn id="152" fill="hold">
+                          <p:cTn id="150" fill="hold">
                             <p:stCondLst>
                               <p:cond delay="0"/>
                             </p:stCondLst>
                             <p:childTnLst>
                               <p:par>
-                                <p:cTn id="153" presetID="1" presetClass="entr" presetSubtype="0" fill="hold" nodeType="clickEffect">
+                                <p:cTn id="151" presetID="1" presetClass="entr" presetSubtype="0" fill="hold" nodeType="clickEffect">
                                   <p:stCondLst>
                                     <p:cond delay="0"/>
                                   </p:stCondLst>
                                   <p:childTnLst>
                                     <p:set>
                                       <p:cBhvr>
-                                        <p:cTn id="154" dur="1" fill="hold">
+                                        <p:cTn id="152" dur="1" fill="hold">
                                           <p:stCondLst>
                                             <p:cond delay="0"/>
                                           </p:stCondLst>
                                         </p:cTn>
                                         <p:tgtEl>
-                                          <p:spTgt spid="69"/>
+                                          <p:spTgt spid="187"/>
                                         </p:tgtEl>
                                         <p:attrNameLst>
                                           <p:attrName>style.visibility</p:attrName>
@@ -10871,65 +11449,20 @@
                                 </p:cTn>
                               </p:par>
                               <p:par>
-                                <p:cTn id="155" presetID="1" presetClass="entr" presetSubtype="0" fill="hold" grpId="0" nodeType="withEffect">
+                                <p:cTn id="153" presetID="1" presetClass="entr" presetSubtype="0" fill="hold" nodeType="withEffect">
                                   <p:stCondLst>
                                     <p:cond delay="0"/>
                                   </p:stCondLst>
                                   <p:childTnLst>
                                     <p:set>
                                       <p:cBhvr>
-                                        <p:cTn id="156" dur="1" fill="hold">
+                                        <p:cTn id="154" dur="1" fill="hold">
                                           <p:stCondLst>
                                             <p:cond delay="0"/>
                                           </p:stCondLst>
                                         </p:cTn>
                                         <p:tgtEl>
-                                          <p:spTgt spid="74"/>
-                                        </p:tgtEl>
-                                        <p:attrNameLst>
-                                          <p:attrName>style.visibility</p:attrName>
-                                        </p:attrNameLst>
-                                      </p:cBhvr>
-                                      <p:to>
-                                        <p:strVal val="visible"/>
-                                      </p:to>
-                                    </p:set>
-                                  </p:childTnLst>
-                                </p:cTn>
-                              </p:par>
-                            </p:childTnLst>
-                          </p:cTn>
-                        </p:par>
-                      </p:childTnLst>
-                    </p:cTn>
-                  </p:par>
-                  <p:par>
-                    <p:cTn id="157" fill="hold">
-                      <p:stCondLst>
-                        <p:cond delay="indefinite"/>
-                      </p:stCondLst>
-                      <p:childTnLst>
-                        <p:par>
-                          <p:cTn id="158" fill="hold">
-                            <p:stCondLst>
-                              <p:cond delay="0"/>
-                            </p:stCondLst>
-                            <p:childTnLst>
-                              <p:par>
-                                <p:cTn id="159" presetID="1" presetClass="entr" presetSubtype="0" fill="hold" grpId="0" nodeType="clickEffect">
-                                  <p:stCondLst>
-                                    <p:cond delay="0"/>
-                                  </p:stCondLst>
-                                  <p:childTnLst>
-                                    <p:set>
-                                      <p:cBhvr>
-                                        <p:cTn id="160" dur="1" fill="hold">
-                                          <p:stCondLst>
-                                            <p:cond delay="0"/>
-                                          </p:stCondLst>
-                                        </p:cTn>
-                                        <p:tgtEl>
-                                          <p:spTgt spid="84"/>
+                                          <p:spTgt spid="191"/>
                                         </p:tgtEl>
                                         <p:attrNameLst>
                                           <p:attrName>style.visibility</p:attrName>
@@ -10943,20 +11476,20 @@
                                 </p:cTn>
                               </p:par>
                               <p:par>
-                                <p:cTn id="161" presetID="1" presetClass="entr" presetSubtype="0" fill="hold" nodeType="withEffect">
+                                <p:cTn id="155" presetID="1" presetClass="entr" presetSubtype="0" fill="hold" nodeType="withEffect">
                                   <p:stCondLst>
                                     <p:cond delay="0"/>
                                   </p:stCondLst>
                                   <p:childTnLst>
                                     <p:set>
                                       <p:cBhvr>
-                                        <p:cTn id="162" dur="1" fill="hold">
+                                        <p:cTn id="156" dur="1" fill="hold">
                                           <p:stCondLst>
                                             <p:cond delay="0"/>
                                           </p:stCondLst>
                                         </p:cTn>
                                         <p:tgtEl>
-                                          <p:spTgt spid="131"/>
+                                          <p:spTgt spid="192"/>
                                         </p:tgtEl>
                                         <p:attrNameLst>
                                           <p:attrName>style.visibility</p:attrName>
@@ -10970,20 +11503,20 @@
                                 </p:cTn>
                               </p:par>
                               <p:par>
-                                <p:cTn id="163" presetID="1" presetClass="entr" presetSubtype="0" fill="hold" grpId="0" nodeType="withEffect">
+                                <p:cTn id="157" presetID="1" presetClass="entr" presetSubtype="0" fill="hold" grpId="0" nodeType="withEffect">
                                   <p:stCondLst>
                                     <p:cond delay="0"/>
                                   </p:stCondLst>
                                   <p:childTnLst>
                                     <p:set>
                                       <p:cBhvr>
-                                        <p:cTn id="164" dur="1" fill="hold">
+                                        <p:cTn id="158" dur="1" fill="hold">
                                           <p:stCondLst>
                                             <p:cond delay="0"/>
                                           </p:stCondLst>
                                         </p:cTn>
                                         <p:tgtEl>
-                                          <p:spTgt spid="83"/>
+                                          <p:spTgt spid="197"/>
                                         </p:tgtEl>
                                         <p:attrNameLst>
                                           <p:attrName>style.visibility</p:attrName>
@@ -10997,7 +11530,88 @@
                                 </p:cTn>
                               </p:par>
                               <p:par>
-                                <p:cTn id="165" presetID="1" presetClass="entr" presetSubtype="0" fill="hold" nodeType="withEffect">
+                                <p:cTn id="159" presetID="1" presetClass="entr" presetSubtype="0" fill="hold" grpId="0" nodeType="withEffect">
+                                  <p:stCondLst>
+                                    <p:cond delay="0"/>
+                                  </p:stCondLst>
+                                  <p:childTnLst>
+                                    <p:set>
+                                      <p:cBhvr>
+                                        <p:cTn id="160" dur="1" fill="hold">
+                                          <p:stCondLst>
+                                            <p:cond delay="0"/>
+                                          </p:stCondLst>
+                                        </p:cTn>
+                                        <p:tgtEl>
+                                          <p:spTgt spid="101"/>
+                                        </p:tgtEl>
+                                        <p:attrNameLst>
+                                          <p:attrName>style.visibility</p:attrName>
+                                        </p:attrNameLst>
+                                      </p:cBhvr>
+                                      <p:to>
+                                        <p:strVal val="visible"/>
+                                      </p:to>
+                                    </p:set>
+                                  </p:childTnLst>
+                                </p:cTn>
+                              </p:par>
+                              <p:par>
+                                <p:cTn id="161" presetID="1" presetClass="entr" presetSubtype="0" fill="hold" grpId="0" nodeType="withEffect">
+                                  <p:stCondLst>
+                                    <p:cond delay="0"/>
+                                  </p:stCondLst>
+                                  <p:childTnLst>
+                                    <p:set>
+                                      <p:cBhvr>
+                                        <p:cTn id="162" dur="1" fill="hold">
+                                          <p:stCondLst>
+                                            <p:cond delay="0"/>
+                                          </p:stCondLst>
+                                        </p:cTn>
+                                        <p:tgtEl>
+                                          <p:spTgt spid="100"/>
+                                        </p:tgtEl>
+                                        <p:attrNameLst>
+                                          <p:attrName>style.visibility</p:attrName>
+                                        </p:attrNameLst>
+                                      </p:cBhvr>
+                                      <p:to>
+                                        <p:strVal val="visible"/>
+                                      </p:to>
+                                    </p:set>
+                                  </p:childTnLst>
+                                </p:cTn>
+                              </p:par>
+                              <p:par>
+                                <p:cTn id="163" presetID="1" presetClass="entr" presetSubtype="0" fill="hold" nodeType="withEffect">
+                                  <p:stCondLst>
+                                    <p:cond delay="0"/>
+                                  </p:stCondLst>
+                                  <p:childTnLst>
+                                    <p:set>
+                                      <p:cBhvr>
+                                        <p:cTn id="164" dur="1" fill="hold">
+                                          <p:stCondLst>
+                                            <p:cond delay="0"/>
+                                          </p:stCondLst>
+                                        </p:cTn>
+                                        <p:tgtEl>
+                                          <p:spTgt spid="102"/>
+                                        </p:tgtEl>
+                                        <p:attrNameLst>
+                                          <p:attrName>style.visibility</p:attrName>
+                                        </p:attrNameLst>
+                                      </p:cBhvr>
+                                      <p:to>
+                                        <p:strVal val="visible"/>
+                                      </p:to>
+                                    </p:set>
+                                  </p:childTnLst>
+                                </p:cTn>
+                              </p:par>
+                              <p:par>
+                                <p:cTn id="165" presetID="1" presetClass="entr" presetSubtype="0" fill="hold" grpId="0" nodeType="withEffect">
                                   <p:stCondLst>
                                     <p:cond delay="0"/>
                                   </p:stCondLst>
@@ -11010,7 +11624,7 @@
                                           </p:stCondLst>
                                         </p:cTn>
                                         <p:tgtEl>
-                                          <p:spTgt spid="96"/>
+                                          <p:spTgt spid="302"/>
                                         </p:tgtEl>
                                         <p:attrNameLst>
                                           <p:attrName>style.visibility</p:attrName>
@@ -11023,26 +11637,35 @@
                                   </p:childTnLst>
                                 </p:cTn>
                               </p:par>
-                            </p:childTnLst>
-                          </p:cTn>
-                        </p:par>
-                      </p:childTnLst>
-                    </p:cTn>
-                  </p:par>
-                  <p:par>
-                    <p:cTn id="167" fill="hold">
-                      <p:stCondLst>
-                        <p:cond delay="indefinite"/>
-                      </p:stCondLst>
-                      <p:childTnLst>
-                        <p:par>
-                          <p:cTn id="168" fill="hold">
-                            <p:stCondLst>
-                              <p:cond delay="0"/>
-                            </p:stCondLst>
-                            <p:childTnLst>
                               <p:par>
-                                <p:cTn id="169" presetID="1" presetClass="entr" presetSubtype="0" fill="hold" nodeType="clickEffect">
+                                <p:cTn id="167" presetID="1" presetClass="entr" presetSubtype="0" fill="hold" nodeType="withEffect">
+                                  <p:stCondLst>
+                                    <p:cond delay="0"/>
+                                  </p:stCondLst>
+                                  <p:childTnLst>
+                                    <p:set>
+                                      <p:cBhvr>
+                                        <p:cTn id="168" dur="1" fill="hold">
+                                          <p:stCondLst>
+                                            <p:cond delay="0"/>
+                                          </p:stCondLst>
+                                        </p:cTn>
+                                        <p:tgtEl>
+                                          <p:spTgt spid="296"/>
+                                        </p:tgtEl>
+                                        <p:attrNameLst>
+                                          <p:attrName>style.visibility</p:attrName>
+                                        </p:attrNameLst>
+                                      </p:cBhvr>
+                                      <p:to>
+                                        <p:strVal val="visible"/>
+                                      </p:to>
+                                    </p:set>
+                                  </p:childTnLst>
+                                </p:cTn>
+                              </p:par>
+                              <p:par>
+                                <p:cTn id="169" presetID="1" presetClass="entr" presetSubtype="0" fill="hold" nodeType="withEffect">
                                   <p:stCondLst>
                                     <p:cond delay="0"/>
                                   </p:stCondLst>
@@ -11055,7 +11678,7 @@
                                           </p:stCondLst>
                                         </p:cTn>
                                         <p:tgtEl>
-                                          <p:spTgt spid="142"/>
+                                          <p:spTgt spid="297"/>
                                         </p:tgtEl>
                                         <p:attrNameLst>
                                           <p:attrName>style.visibility</p:attrName>
@@ -11068,26 +11691,35 @@
                                   </p:childTnLst>
                                 </p:cTn>
                               </p:par>
-                            </p:childTnLst>
-                          </p:cTn>
-                        </p:par>
-                      </p:childTnLst>
-                    </p:cTn>
-                  </p:par>
-                  <p:par>
-                    <p:cTn id="171" fill="hold">
-                      <p:stCondLst>
-                        <p:cond delay="indefinite"/>
-                      </p:stCondLst>
-                      <p:childTnLst>
-                        <p:par>
-                          <p:cTn id="172" fill="hold">
-                            <p:stCondLst>
-                              <p:cond delay="0"/>
-                            </p:stCondLst>
-                            <p:childTnLst>
                               <p:par>
-                                <p:cTn id="173" presetID="1" presetClass="entr" presetSubtype="0" fill="hold" grpId="0" nodeType="clickEffect">
+                                <p:cTn id="171" presetID="1" presetClass="entr" presetSubtype="0" fill="hold" nodeType="withEffect">
+                                  <p:stCondLst>
+                                    <p:cond delay="0"/>
+                                  </p:stCondLst>
+                                  <p:childTnLst>
+                                    <p:set>
+                                      <p:cBhvr>
+                                        <p:cTn id="172" dur="1" fill="hold">
+                                          <p:stCondLst>
+                                            <p:cond delay="0"/>
+                                          </p:stCondLst>
+                                        </p:cTn>
+                                        <p:tgtEl>
+                                          <p:spTgt spid="177"/>
+                                        </p:tgtEl>
+                                        <p:attrNameLst>
+                                          <p:attrName>style.visibility</p:attrName>
+                                        </p:attrNameLst>
+                                      </p:cBhvr>
+                                      <p:to>
+                                        <p:strVal val="visible"/>
+                                      </p:to>
+                                    </p:set>
+                                  </p:childTnLst>
+                                </p:cTn>
+                              </p:par>
+                              <p:par>
+                                <p:cTn id="173" presetID="1" presetClass="entr" presetSubtype="0" fill="hold" grpId="0" nodeType="withEffect">
                                   <p:stCondLst>
                                     <p:cond delay="0"/>
                                   </p:stCondLst>
@@ -11100,7 +11732,7 @@
                                           </p:stCondLst>
                                         </p:cTn>
                                         <p:tgtEl>
-                                          <p:spTgt spid="95"/>
+                                          <p:spTgt spid="178"/>
                                         </p:tgtEl>
                                         <p:attrNameLst>
                                           <p:attrName>style.visibility</p:attrName>
@@ -11127,7 +11759,7 @@
                                           </p:stCondLst>
                                         </p:cTn>
                                         <p:tgtEl>
-                                          <p:spTgt spid="94"/>
+                                          <p:spTgt spid="190"/>
                                         </p:tgtEl>
                                         <p:attrNameLst>
                                           <p:attrName>style.visibility</p:attrName>
@@ -11154,7 +11786,7 @@
                                           </p:stCondLst>
                                         </p:cTn>
                                         <p:tgtEl>
-                                          <p:spTgt spid="98"/>
+                                          <p:spTgt spid="129"/>
                                         </p:tgtEl>
                                         <p:attrNameLst>
                                           <p:attrName>style.visibility</p:attrName>
@@ -11181,34 +11813,7 @@
                                           </p:stCondLst>
                                         </p:cTn>
                                         <p:tgtEl>
-                                          <p:spTgt spid="133"/>
-                                        </p:tgtEl>
-                                        <p:attrNameLst>
-                                          <p:attrName>style.visibility</p:attrName>
-                                        </p:attrNameLst>
-                                      </p:cBhvr>
-                                      <p:to>
-                                        <p:strVal val="visible"/>
-                                      </p:to>
-                                    </p:set>
-                                  </p:childTnLst>
-                                </p:cTn>
-                              </p:par>
-                              <p:par>
-                                <p:cTn id="181" presetID="1" presetClass="entr" presetSubtype="0" fill="hold" nodeType="withEffect">
-                                  <p:stCondLst>
-                                    <p:cond delay="0"/>
-                                  </p:stCondLst>
-                                  <p:childTnLst>
-                                    <p:set>
-                                      <p:cBhvr>
-                                        <p:cTn id="182" dur="1" fill="hold">
-                                          <p:stCondLst>
-                                            <p:cond delay="0"/>
-                                          </p:stCondLst>
-                                        </p:cTn>
-                                        <p:tgtEl>
-                                          <p:spTgt spid="126"/>
+                                          <p:spTgt spid="179"/>
                                         </p:tgtEl>
                                         <p:attrNameLst>
                                           <p:attrName>style.visibility</p:attrName>
@@ -11228,32 +11833,32 @@
                     </p:cTn>
                   </p:par>
                   <p:par>
-                    <p:cTn id="183" fill="hold">
+                    <p:cTn id="181" fill="hold">
                       <p:stCondLst>
                         <p:cond delay="indefinite"/>
                       </p:stCondLst>
                       <p:childTnLst>
                         <p:par>
-                          <p:cTn id="184" fill="hold">
+                          <p:cTn id="182" fill="hold">
                             <p:stCondLst>
                               <p:cond delay="0"/>
                             </p:stCondLst>
                             <p:childTnLst>
                               <p:par>
-                                <p:cTn id="185" presetID="1" presetClass="entr" presetSubtype="0" fill="hold" grpId="0" nodeType="clickEffect">
+                                <p:cTn id="183" presetID="1" presetClass="entr" presetSubtype="0" fill="hold" grpId="0" nodeType="clickEffect">
                                   <p:stCondLst>
                                     <p:cond delay="0"/>
                                   </p:stCondLst>
                                   <p:childTnLst>
                                     <p:set>
                                       <p:cBhvr>
-                                        <p:cTn id="186" dur="1" fill="hold">
+                                        <p:cTn id="184" dur="1" fill="hold">
                                           <p:stCondLst>
                                             <p:cond delay="0"/>
                                           </p:stCondLst>
                                         </p:cTn>
                                         <p:tgtEl>
-                                          <p:spTgt spid="91"/>
+                                          <p:spTgt spid="255"/>
                                         </p:tgtEl>
                                         <p:attrNameLst>
                                           <p:attrName>style.visibility</p:attrName>
@@ -11266,8 +11871,26 @@
                                   </p:childTnLst>
                                 </p:cTn>
                               </p:par>
+                            </p:childTnLst>
+                          </p:cTn>
+                        </p:par>
+                      </p:childTnLst>
+                    </p:cTn>
+                  </p:par>
+                  <p:par>
+                    <p:cTn id="185" fill="hold">
+                      <p:stCondLst>
+                        <p:cond delay="indefinite"/>
+                      </p:stCondLst>
+                      <p:childTnLst>
+                        <p:par>
+                          <p:cTn id="186" fill="hold">
+                            <p:stCondLst>
+                              <p:cond delay="0"/>
+                            </p:stCondLst>
+                            <p:childTnLst>
                               <p:par>
-                                <p:cTn id="187" presetID="1" presetClass="entr" presetSubtype="0" fill="hold" nodeType="withEffect">
+                                <p:cTn id="187" presetID="1" presetClass="entr" presetSubtype="0" fill="hold" grpId="0" nodeType="clickEffect">
                                   <p:stCondLst>
                                     <p:cond delay="0"/>
                                   </p:stCondLst>
@@ -11280,7 +11903,7 @@
                                           </p:stCondLst>
                                         </p:cTn>
                                         <p:tgtEl>
-                                          <p:spTgt spid="93"/>
+                                          <p:spTgt spid="115"/>
                                         </p:tgtEl>
                                         <p:attrNameLst>
                                           <p:attrName>style.visibility</p:attrName>
@@ -11307,7 +11930,7 @@
                                           </p:stCondLst>
                                         </p:cTn>
                                         <p:tgtEl>
-                                          <p:spTgt spid="97"/>
+                                          <p:spTgt spid="106"/>
                                         </p:tgtEl>
                                         <p:attrNameLst>
                                           <p:attrName>style.visibility</p:attrName>
@@ -11334,6 +11957,474 @@
                                           </p:stCondLst>
                                         </p:cTn>
                                         <p:tgtEl>
+                                          <p:spTgt spid="111"/>
+                                        </p:tgtEl>
+                                        <p:attrNameLst>
+                                          <p:attrName>style.visibility</p:attrName>
+                                        </p:attrNameLst>
+                                      </p:cBhvr>
+                                      <p:to>
+                                        <p:strVal val="visible"/>
+                                      </p:to>
+                                    </p:set>
+                                  </p:childTnLst>
+                                </p:cTn>
+                              </p:par>
+                              <p:par>
+                                <p:cTn id="193" presetID="1" presetClass="entr" presetSubtype="0" fill="hold" nodeType="withEffect">
+                                  <p:stCondLst>
+                                    <p:cond delay="0"/>
+                                  </p:stCondLst>
+                                  <p:childTnLst>
+                                    <p:set>
+                                      <p:cBhvr>
+                                        <p:cTn id="194" dur="1" fill="hold">
+                                          <p:stCondLst>
+                                            <p:cond delay="0"/>
+                                          </p:stCondLst>
+                                        </p:cTn>
+                                        <p:tgtEl>
+                                          <p:spTgt spid="120"/>
+                                        </p:tgtEl>
+                                        <p:attrNameLst>
+                                          <p:attrName>style.visibility</p:attrName>
+                                        </p:attrNameLst>
+                                      </p:cBhvr>
+                                      <p:to>
+                                        <p:strVal val="visible"/>
+                                      </p:to>
+                                    </p:set>
+                                  </p:childTnLst>
+                                </p:cTn>
+                              </p:par>
+                            </p:childTnLst>
+                          </p:cTn>
+                        </p:par>
+                      </p:childTnLst>
+                    </p:cTn>
+                  </p:par>
+                  <p:par>
+                    <p:cTn id="195" fill="hold">
+                      <p:stCondLst>
+                        <p:cond delay="indefinite"/>
+                      </p:stCondLst>
+                      <p:childTnLst>
+                        <p:par>
+                          <p:cTn id="196" fill="hold">
+                            <p:stCondLst>
+                              <p:cond delay="0"/>
+                            </p:stCondLst>
+                            <p:childTnLst>
+                              <p:par>
+                                <p:cTn id="197" presetID="1" presetClass="entr" presetSubtype="0" fill="hold" grpId="0" nodeType="clickEffect">
+                                  <p:stCondLst>
+                                    <p:cond delay="0"/>
+                                  </p:stCondLst>
+                                  <p:childTnLst>
+                                    <p:set>
+                                      <p:cBhvr>
+                                        <p:cTn id="198" dur="1" fill="hold">
+                                          <p:stCondLst>
+                                            <p:cond delay="0"/>
+                                          </p:stCondLst>
+                                        </p:cTn>
+                                        <p:tgtEl>
+                                          <p:spTgt spid="135"/>
+                                        </p:tgtEl>
+                                        <p:attrNameLst>
+                                          <p:attrName>style.visibility</p:attrName>
+                                        </p:attrNameLst>
+                                      </p:cBhvr>
+                                      <p:to>
+                                        <p:strVal val="visible"/>
+                                      </p:to>
+                                    </p:set>
+                                  </p:childTnLst>
+                                </p:cTn>
+                              </p:par>
+                            </p:childTnLst>
+                          </p:cTn>
+                        </p:par>
+                      </p:childTnLst>
+                    </p:cTn>
+                  </p:par>
+                  <p:par>
+                    <p:cTn id="199" fill="hold">
+                      <p:stCondLst>
+                        <p:cond delay="indefinite"/>
+                      </p:stCondLst>
+                      <p:childTnLst>
+                        <p:par>
+                          <p:cTn id="200" fill="hold">
+                            <p:stCondLst>
+                              <p:cond delay="0"/>
+                            </p:stCondLst>
+                            <p:childTnLst>
+                              <p:par>
+                                <p:cTn id="201" presetID="1" presetClass="entr" presetSubtype="0" fill="hold" grpId="0" nodeType="clickEffect">
+                                  <p:stCondLst>
+                                    <p:cond delay="0"/>
+                                  </p:stCondLst>
+                                  <p:childTnLst>
+                                    <p:set>
+                                      <p:cBhvr>
+                                        <p:cTn id="202" dur="1" fill="hold">
+                                          <p:stCondLst>
+                                            <p:cond delay="0"/>
+                                          </p:stCondLst>
+                                        </p:cTn>
+                                        <p:tgtEl>
+                                          <p:spTgt spid="117"/>
+                                        </p:tgtEl>
+                                        <p:attrNameLst>
+                                          <p:attrName>style.visibility</p:attrName>
+                                        </p:attrNameLst>
+                                      </p:cBhvr>
+                                      <p:to>
+                                        <p:strVal val="visible"/>
+                                      </p:to>
+                                    </p:set>
+                                  </p:childTnLst>
+                                </p:cTn>
+                              </p:par>
+                            </p:childTnLst>
+                          </p:cTn>
+                        </p:par>
+                      </p:childTnLst>
+                    </p:cTn>
+                  </p:par>
+                  <p:par>
+                    <p:cTn id="203" fill="hold">
+                      <p:stCondLst>
+                        <p:cond delay="indefinite"/>
+                      </p:stCondLst>
+                      <p:childTnLst>
+                        <p:par>
+                          <p:cTn id="204" fill="hold">
+                            <p:stCondLst>
+                              <p:cond delay="0"/>
+                            </p:stCondLst>
+                            <p:childTnLst>
+                              <p:par>
+                                <p:cTn id="205" presetID="1" presetClass="entr" presetSubtype="0" fill="hold" grpId="0" nodeType="clickEffect">
+                                  <p:stCondLst>
+                                    <p:cond delay="0"/>
+                                  </p:stCondLst>
+                                  <p:childTnLst>
+                                    <p:set>
+                                      <p:cBhvr>
+                                        <p:cTn id="206" dur="1" fill="hold">
+                                          <p:stCondLst>
+                                            <p:cond delay="0"/>
+                                          </p:stCondLst>
+                                        </p:cTn>
+                                        <p:tgtEl>
+                                          <p:spTgt spid="110"/>
+                                        </p:tgtEl>
+                                        <p:attrNameLst>
+                                          <p:attrName>style.visibility</p:attrName>
+                                        </p:attrNameLst>
+                                      </p:cBhvr>
+                                      <p:to>
+                                        <p:strVal val="visible"/>
+                                      </p:to>
+                                    </p:set>
+                                  </p:childTnLst>
+                                </p:cTn>
+                              </p:par>
+                              <p:par>
+                                <p:cTn id="207" presetID="1" presetClass="entr" presetSubtype="0" fill="hold" nodeType="withEffect">
+                                  <p:stCondLst>
+                                    <p:cond delay="0"/>
+                                  </p:stCondLst>
+                                  <p:childTnLst>
+                                    <p:set>
+                                      <p:cBhvr>
+                                        <p:cTn id="208" dur="1" fill="hold">
+                                          <p:stCondLst>
+                                            <p:cond delay="0"/>
+                                          </p:stCondLst>
+                                        </p:cTn>
+                                        <p:tgtEl>
+                                          <p:spTgt spid="107"/>
+                                        </p:tgtEl>
+                                        <p:attrNameLst>
+                                          <p:attrName>style.visibility</p:attrName>
+                                        </p:attrNameLst>
+                                      </p:cBhvr>
+                                      <p:to>
+                                        <p:strVal val="visible"/>
+                                      </p:to>
+                                    </p:set>
+                                  </p:childTnLst>
+                                </p:cTn>
+                              </p:par>
+                            </p:childTnLst>
+                          </p:cTn>
+                        </p:par>
+                      </p:childTnLst>
+                    </p:cTn>
+                  </p:par>
+                  <p:par>
+                    <p:cTn id="209" fill="hold">
+                      <p:stCondLst>
+                        <p:cond delay="indefinite"/>
+                      </p:stCondLst>
+                      <p:childTnLst>
+                        <p:par>
+                          <p:cTn id="210" fill="hold">
+                            <p:stCondLst>
+                              <p:cond delay="0"/>
+                            </p:stCondLst>
+                            <p:childTnLst>
+                              <p:par>
+                                <p:cTn id="211" presetID="1" presetClass="entr" presetSubtype="0" fill="hold" grpId="0" nodeType="clickEffect">
+                                  <p:stCondLst>
+                                    <p:cond delay="0"/>
+                                  </p:stCondLst>
+                                  <p:childTnLst>
+                                    <p:set>
+                                      <p:cBhvr>
+                                        <p:cTn id="212" dur="1" fill="hold">
+                                          <p:stCondLst>
+                                            <p:cond delay="0"/>
+                                          </p:stCondLst>
+                                        </p:cTn>
+                                        <p:tgtEl>
+                                          <p:spTgt spid="95"/>
+                                        </p:tgtEl>
+                                        <p:attrNameLst>
+                                          <p:attrName>style.visibility</p:attrName>
+                                        </p:attrNameLst>
+                                      </p:cBhvr>
+                                      <p:to>
+                                        <p:strVal val="visible"/>
+                                      </p:to>
+                                    </p:set>
+                                  </p:childTnLst>
+                                </p:cTn>
+                              </p:par>
+                              <p:par>
+                                <p:cTn id="213" presetID="1" presetClass="entr" presetSubtype="0" fill="hold" nodeType="withEffect">
+                                  <p:stCondLst>
+                                    <p:cond delay="0"/>
+                                  </p:stCondLst>
+                                  <p:childTnLst>
+                                    <p:set>
+                                      <p:cBhvr>
+                                        <p:cTn id="214" dur="1" fill="hold">
+                                          <p:stCondLst>
+                                            <p:cond delay="0"/>
+                                          </p:stCondLst>
+                                        </p:cTn>
+                                        <p:tgtEl>
+                                          <p:spTgt spid="94"/>
+                                        </p:tgtEl>
+                                        <p:attrNameLst>
+                                          <p:attrName>style.visibility</p:attrName>
+                                        </p:attrNameLst>
+                                      </p:cBhvr>
+                                      <p:to>
+                                        <p:strVal val="visible"/>
+                                      </p:to>
+                                    </p:set>
+                                  </p:childTnLst>
+                                </p:cTn>
+                              </p:par>
+                              <p:par>
+                                <p:cTn id="215" presetID="1" presetClass="entr" presetSubtype="0" fill="hold" nodeType="withEffect">
+                                  <p:stCondLst>
+                                    <p:cond delay="0"/>
+                                  </p:stCondLst>
+                                  <p:childTnLst>
+                                    <p:set>
+                                      <p:cBhvr>
+                                        <p:cTn id="216" dur="1" fill="hold">
+                                          <p:stCondLst>
+                                            <p:cond delay="0"/>
+                                          </p:stCondLst>
+                                        </p:cTn>
+                                        <p:tgtEl>
+                                          <p:spTgt spid="98"/>
+                                        </p:tgtEl>
+                                        <p:attrNameLst>
+                                          <p:attrName>style.visibility</p:attrName>
+                                        </p:attrNameLst>
+                                      </p:cBhvr>
+                                      <p:to>
+                                        <p:strVal val="visible"/>
+                                      </p:to>
+                                    </p:set>
+                                  </p:childTnLst>
+                                </p:cTn>
+                              </p:par>
+                              <p:par>
+                                <p:cTn id="217" presetID="1" presetClass="entr" presetSubtype="0" fill="hold" nodeType="withEffect">
+                                  <p:stCondLst>
+                                    <p:cond delay="0"/>
+                                  </p:stCondLst>
+                                  <p:childTnLst>
+                                    <p:set>
+                                      <p:cBhvr>
+                                        <p:cTn id="218" dur="1" fill="hold">
+                                          <p:stCondLst>
+                                            <p:cond delay="0"/>
+                                          </p:stCondLst>
+                                        </p:cTn>
+                                        <p:tgtEl>
+                                          <p:spTgt spid="133"/>
+                                        </p:tgtEl>
+                                        <p:attrNameLst>
+                                          <p:attrName>style.visibility</p:attrName>
+                                        </p:attrNameLst>
+                                      </p:cBhvr>
+                                      <p:to>
+                                        <p:strVal val="visible"/>
+                                      </p:to>
+                                    </p:set>
+                                  </p:childTnLst>
+                                </p:cTn>
+                              </p:par>
+                              <p:par>
+                                <p:cTn id="219" presetID="1" presetClass="entr" presetSubtype="0" fill="hold" nodeType="withEffect">
+                                  <p:stCondLst>
+                                    <p:cond delay="0"/>
+                                  </p:stCondLst>
+                                  <p:childTnLst>
+                                    <p:set>
+                                      <p:cBhvr>
+                                        <p:cTn id="220" dur="1" fill="hold">
+                                          <p:stCondLst>
+                                            <p:cond delay="0"/>
+                                          </p:stCondLst>
+                                        </p:cTn>
+                                        <p:tgtEl>
+                                          <p:spTgt spid="126"/>
+                                        </p:tgtEl>
+                                        <p:attrNameLst>
+                                          <p:attrName>style.visibility</p:attrName>
+                                        </p:attrNameLst>
+                                      </p:cBhvr>
+                                      <p:to>
+                                        <p:strVal val="visible"/>
+                                      </p:to>
+                                    </p:set>
+                                  </p:childTnLst>
+                                </p:cTn>
+                              </p:par>
+                            </p:childTnLst>
+                          </p:cTn>
+                        </p:par>
+                      </p:childTnLst>
+                    </p:cTn>
+                  </p:par>
+                  <p:par>
+                    <p:cTn id="221" fill="hold">
+                      <p:stCondLst>
+                        <p:cond delay="indefinite"/>
+                      </p:stCondLst>
+                      <p:childTnLst>
+                        <p:par>
+                          <p:cTn id="222" fill="hold">
+                            <p:stCondLst>
+                              <p:cond delay="0"/>
+                            </p:stCondLst>
+                            <p:childTnLst>
+                              <p:par>
+                                <p:cTn id="223" presetID="1" presetClass="entr" presetSubtype="0" fill="hold" grpId="0" nodeType="clickEffect">
+                                  <p:stCondLst>
+                                    <p:cond delay="0"/>
+                                  </p:stCondLst>
+                                  <p:childTnLst>
+                                    <p:set>
+                                      <p:cBhvr>
+                                        <p:cTn id="224" dur="1" fill="hold">
+                                          <p:stCondLst>
+                                            <p:cond delay="0"/>
+                                          </p:stCondLst>
+                                        </p:cTn>
+                                        <p:tgtEl>
+                                          <p:spTgt spid="91"/>
+                                        </p:tgtEl>
+                                        <p:attrNameLst>
+                                          <p:attrName>style.visibility</p:attrName>
+                                        </p:attrNameLst>
+                                      </p:cBhvr>
+                                      <p:to>
+                                        <p:strVal val="visible"/>
+                                      </p:to>
+                                    </p:set>
+                                  </p:childTnLst>
+                                </p:cTn>
+                              </p:par>
+                              <p:par>
+                                <p:cTn id="225" presetID="1" presetClass="entr" presetSubtype="0" fill="hold" nodeType="withEffect">
+                                  <p:stCondLst>
+                                    <p:cond delay="0"/>
+                                  </p:stCondLst>
+                                  <p:childTnLst>
+                                    <p:set>
+                                      <p:cBhvr>
+                                        <p:cTn id="226" dur="1" fill="hold">
+                                          <p:stCondLst>
+                                            <p:cond delay="0"/>
+                                          </p:stCondLst>
+                                        </p:cTn>
+                                        <p:tgtEl>
+                                          <p:spTgt spid="93"/>
+                                        </p:tgtEl>
+                                        <p:attrNameLst>
+                                          <p:attrName>style.visibility</p:attrName>
+                                        </p:attrNameLst>
+                                      </p:cBhvr>
+                                      <p:to>
+                                        <p:strVal val="visible"/>
+                                      </p:to>
+                                    </p:set>
+                                  </p:childTnLst>
+                                </p:cTn>
+                              </p:par>
+                              <p:par>
+                                <p:cTn id="227" presetID="1" presetClass="entr" presetSubtype="0" fill="hold" nodeType="withEffect">
+                                  <p:stCondLst>
+                                    <p:cond delay="0"/>
+                                  </p:stCondLst>
+                                  <p:childTnLst>
+                                    <p:set>
+                                      <p:cBhvr>
+                                        <p:cTn id="228" dur="1" fill="hold">
+                                          <p:stCondLst>
+                                            <p:cond delay="0"/>
+                                          </p:stCondLst>
+                                        </p:cTn>
+                                        <p:tgtEl>
+                                          <p:spTgt spid="97"/>
+                                        </p:tgtEl>
+                                        <p:attrNameLst>
+                                          <p:attrName>style.visibility</p:attrName>
+                                        </p:attrNameLst>
+                                      </p:cBhvr>
+                                      <p:to>
+                                        <p:strVal val="visible"/>
+                                      </p:to>
+                                    </p:set>
+                                  </p:childTnLst>
+                                </p:cTn>
+                              </p:par>
+                              <p:par>
+                                <p:cTn id="229" presetID="1" presetClass="entr" presetSubtype="0" fill="hold" nodeType="withEffect">
+                                  <p:stCondLst>
+                                    <p:cond delay="0"/>
+                                  </p:stCondLst>
+                                  <p:childTnLst>
+                                    <p:set>
+                                      <p:cBhvr>
+                                        <p:cTn id="230" dur="1" fill="hold">
+                                          <p:stCondLst>
+                                            <p:cond delay="0"/>
+                                          </p:stCondLst>
+                                        </p:cTn>
+                                        <p:tgtEl>
                                           <p:spTgt spid="89"/>
                                         </p:tgtEl>
                                         <p:attrNameLst>
@@ -11354,26 +12445,26 @@
                     </p:cTn>
                   </p:par>
                   <p:par>
-                    <p:cTn id="193" fill="hold">
+                    <p:cTn id="231" fill="hold">
                       <p:stCondLst>
                         <p:cond delay="indefinite"/>
                       </p:stCondLst>
                       <p:childTnLst>
                         <p:par>
-                          <p:cTn id="194" fill="hold">
+                          <p:cTn id="232" fill="hold">
                             <p:stCondLst>
                               <p:cond delay="0"/>
                             </p:stCondLst>
                             <p:childTnLst>
                               <p:par>
-                                <p:cTn id="195" presetID="1" presetClass="entr" presetSubtype="0" fill="hold" nodeType="clickEffect">
+                                <p:cTn id="233" presetID="1" presetClass="entr" presetSubtype="0" fill="hold" nodeType="clickEffect">
                                   <p:stCondLst>
                                     <p:cond delay="0"/>
                                   </p:stCondLst>
                                   <p:childTnLst>
                                     <p:set>
                                       <p:cBhvr>
-                                        <p:cTn id="196" dur="1" fill="hold">
+                                        <p:cTn id="234" dur="1" fill="hold">
                                           <p:stCondLst>
                                             <p:cond delay="0"/>
                                           </p:stCondLst>
@@ -11393,20 +12484,119 @@
                                 </p:cTn>
                               </p:par>
                               <p:par>
-                                <p:cTn id="197" presetID="1" presetClass="entr" presetSubtype="0" fill="hold" nodeType="withEffect">
+                                <p:cTn id="235" presetID="1" presetClass="entr" presetSubtype="0" fill="hold" nodeType="withEffect">
                                   <p:stCondLst>
                                     <p:cond delay="0"/>
                                   </p:stCondLst>
                                   <p:childTnLst>
                                     <p:set>
                                       <p:cBhvr>
-                                        <p:cTn id="198" dur="1" fill="hold">
+                                        <p:cTn id="236" dur="1" fill="hold">
                                           <p:stCondLst>
                                             <p:cond delay="0"/>
                                           </p:stCondLst>
                                         </p:cTn>
                                         <p:tgtEl>
                                           <p:spTgt spid="157"/>
+                                        </p:tgtEl>
+                                        <p:attrNameLst>
+                                          <p:attrName>style.visibility</p:attrName>
+                                        </p:attrNameLst>
+                                      </p:cBhvr>
+                                      <p:to>
+                                        <p:strVal val="visible"/>
+                                      </p:to>
+                                    </p:set>
+                                  </p:childTnLst>
+                                </p:cTn>
+                              </p:par>
+                            </p:childTnLst>
+                          </p:cTn>
+                        </p:par>
+                      </p:childTnLst>
+                    </p:cTn>
+                  </p:par>
+                  <p:par>
+                    <p:cTn id="237" fill="hold">
+                      <p:stCondLst>
+                        <p:cond delay="indefinite"/>
+                      </p:stCondLst>
+                      <p:childTnLst>
+                        <p:par>
+                          <p:cTn id="238" fill="hold">
+                            <p:stCondLst>
+                              <p:cond delay="0"/>
+                            </p:stCondLst>
+                            <p:childTnLst>
+                              <p:par>
+                                <p:cTn id="239" presetID="1" presetClass="entr" presetSubtype="0" fill="hold" grpId="0" nodeType="clickEffect">
+                                  <p:stCondLst>
+                                    <p:cond delay="0"/>
+                                  </p:stCondLst>
+                                  <p:childTnLst>
+                                    <p:set>
+                                      <p:cBhvr>
+                                        <p:cTn id="240" dur="1" fill="hold">
+                                          <p:stCondLst>
+                                            <p:cond delay="0"/>
+                                          </p:stCondLst>
+                                        </p:cTn>
+                                        <p:tgtEl>
+                                          <p:spTgt spid="163"/>
+                                        </p:tgtEl>
+                                        <p:attrNameLst>
+                                          <p:attrName>style.visibility</p:attrName>
+                                        </p:attrNameLst>
+                                      </p:cBhvr>
+                                      <p:to>
+                                        <p:strVal val="visible"/>
+                                      </p:to>
+                                    </p:set>
+                                  </p:childTnLst>
+                                </p:cTn>
+                              </p:par>
+                              <p:par>
+                                <p:cTn id="241" presetID="1" presetClass="entr" presetSubtype="0" fill="hold" nodeType="withEffect">
+                                  <p:stCondLst>
+                                    <p:cond delay="0"/>
+                                  </p:stCondLst>
+                                  <p:childTnLst>
+                                    <p:set>
+                                      <p:cBhvr>
+                                        <p:cTn id="242" dur="1" fill="hold">
+                                          <p:stCondLst>
+                                            <p:cond delay="0"/>
+                                          </p:stCondLst>
+                                        </p:cTn>
+                                        <p:tgtEl>
+                                          <p:spTgt spid="162"/>
+                                        </p:tgtEl>
+                                        <p:attrNameLst>
+                                          <p:attrName>style.visibility</p:attrName>
+                                        </p:attrNameLst>
+                                      </p:cBhvr>
+                                      <p:to>
+                                        <p:strVal val="visible"/>
+                                      </p:to>
+                                    </p:set>
+                                  </p:childTnLst>
+                                </p:cTn>
+                              </p:par>
+                              <p:par>
+                                <p:cTn id="243" presetID="1" presetClass="entr" presetSubtype="0" fill="hold" nodeType="withEffect">
+                                  <p:stCondLst>
+                                    <p:cond delay="0"/>
+                                  </p:stCondLst>
+                                  <p:childTnLst>
+                                    <p:set>
+                                      <p:cBhvr>
+                                        <p:cTn id="244" dur="1" fill="hold">
+                                          <p:stCondLst>
+                                            <p:cond delay="0"/>
+                                          </p:stCondLst>
+                                        </p:cTn>
+                                        <p:tgtEl>
+                                          <p:spTgt spid="164"/>
                                         </p:tgtEl>
                                         <p:attrNameLst>
                                           <p:attrName>style.visibility</p:attrName>
@@ -11447,6 +12637,7 @@
       </p:par>
     </p:tnLst>
     <p:bldLst>
+      <p:bldP spid="141" grpId="0" animBg="1"/>
       <p:bldP spid="37" grpId="0"/>
       <p:bldP spid="74" grpId="0" animBg="1"/>
       <p:bldP spid="80" grpId="0" animBg="1"/>
@@ -11477,6 +12668,12 @@
       <p:bldP spid="150" grpId="0"/>
       <p:bldP spid="197" grpId="0"/>
       <p:bldP spid="302" grpId="0"/>
+      <p:bldP spid="122" grpId="0"/>
+      <p:bldP spid="152" grpId="0" animBg="1"/>
+      <p:bldP spid="158" grpId="0"/>
+      <p:bldP spid="161" grpId="0"/>
+      <p:bldP spid="163" grpId="0"/>
+      <p:bldP spid="135" grpId="0" animBg="1"/>
     </p:bldLst>
   </p:timing>
 </p:sld>

--- a/fig/aws-enterprise-v02.pptx
+++ b/fig/aws-enterprise-v02.pptx
@@ -193,7 +193,7 @@
           <a:p>
             <a:fld id="{B2B5ABE0-9405-7B4D-B9EA-CE78F3455015}" type="datetimeFigureOut">
               <a:rPr lang="en-US" smtClean="0"/>
-              <a:t>6/28/16</a:t>
+              <a:t>7/1/16</a:t>
             </a:fld>
             <a:endParaRPr lang="en-US"/>
           </a:p>
@@ -1174,7 +1174,7 @@
           <a:p>
             <a:fld id="{61EC71F1-B3E0-DD4C-B030-8B42C148BEB6}" type="datetimeFigureOut">
               <a:rPr lang="en-US" smtClean="0"/>
-              <a:t>6/28/16</a:t>
+              <a:t>7/1/16</a:t>
             </a:fld>
             <a:endParaRPr lang="en-US"/>
           </a:p>
@@ -1344,7 +1344,7 @@
           <a:p>
             <a:fld id="{61EC71F1-B3E0-DD4C-B030-8B42C148BEB6}" type="datetimeFigureOut">
               <a:rPr lang="en-US" smtClean="0"/>
-              <a:t>6/28/16</a:t>
+              <a:t>7/1/16</a:t>
             </a:fld>
             <a:endParaRPr lang="en-US"/>
           </a:p>
@@ -1524,7 +1524,7 @@
           <a:p>
             <a:fld id="{61EC71F1-B3E0-DD4C-B030-8B42C148BEB6}" type="datetimeFigureOut">
               <a:rPr lang="en-US" smtClean="0"/>
-              <a:t>6/28/16</a:t>
+              <a:t>7/1/16</a:t>
             </a:fld>
             <a:endParaRPr lang="en-US"/>
           </a:p>
@@ -1694,7 +1694,7 @@
           <a:p>
             <a:fld id="{61EC71F1-B3E0-DD4C-B030-8B42C148BEB6}" type="datetimeFigureOut">
               <a:rPr lang="en-US" smtClean="0"/>
-              <a:t>6/28/16</a:t>
+              <a:t>7/1/16</a:t>
             </a:fld>
             <a:endParaRPr lang="en-US"/>
           </a:p>
@@ -1940,7 +1940,7 @@
           <a:p>
             <a:fld id="{61EC71F1-B3E0-DD4C-B030-8B42C148BEB6}" type="datetimeFigureOut">
               <a:rPr lang="en-US" smtClean="0"/>
-              <a:t>6/28/16</a:t>
+              <a:t>7/1/16</a:t>
             </a:fld>
             <a:endParaRPr lang="en-US"/>
           </a:p>
@@ -2228,7 +2228,7 @@
           <a:p>
             <a:fld id="{61EC71F1-B3E0-DD4C-B030-8B42C148BEB6}" type="datetimeFigureOut">
               <a:rPr lang="en-US" smtClean="0"/>
-              <a:t>6/28/16</a:t>
+              <a:t>7/1/16</a:t>
             </a:fld>
             <a:endParaRPr lang="en-US"/>
           </a:p>
@@ -2650,7 +2650,7 @@
           <a:p>
             <a:fld id="{61EC71F1-B3E0-DD4C-B030-8B42C148BEB6}" type="datetimeFigureOut">
               <a:rPr lang="en-US" smtClean="0"/>
-              <a:t>6/28/16</a:t>
+              <a:t>7/1/16</a:t>
             </a:fld>
             <a:endParaRPr lang="en-US"/>
           </a:p>
@@ -2768,7 +2768,7 @@
           <a:p>
             <a:fld id="{61EC71F1-B3E0-DD4C-B030-8B42C148BEB6}" type="datetimeFigureOut">
               <a:rPr lang="en-US" smtClean="0"/>
-              <a:t>6/28/16</a:t>
+              <a:t>7/1/16</a:t>
             </a:fld>
             <a:endParaRPr lang="en-US"/>
           </a:p>
@@ -2863,7 +2863,7 @@
           <a:p>
             <a:fld id="{61EC71F1-B3E0-DD4C-B030-8B42C148BEB6}" type="datetimeFigureOut">
               <a:rPr lang="en-US" smtClean="0"/>
-              <a:t>6/28/16</a:t>
+              <a:t>7/1/16</a:t>
             </a:fld>
             <a:endParaRPr lang="en-US"/>
           </a:p>
@@ -3140,7 +3140,7 @@
           <a:p>
             <a:fld id="{61EC71F1-B3E0-DD4C-B030-8B42C148BEB6}" type="datetimeFigureOut">
               <a:rPr lang="en-US" smtClean="0"/>
-              <a:t>6/28/16</a:t>
+              <a:t>7/1/16</a:t>
             </a:fld>
             <a:endParaRPr lang="en-US"/>
           </a:p>
@@ -3393,7 +3393,7 @@
           <a:p>
             <a:fld id="{61EC71F1-B3E0-DD4C-B030-8B42C148BEB6}" type="datetimeFigureOut">
               <a:rPr lang="en-US" smtClean="0"/>
-              <a:t>6/28/16</a:t>
+              <a:t>7/1/16</a:t>
             </a:fld>
             <a:endParaRPr lang="en-US"/>
           </a:p>
@@ -3606,7 +3606,7 @@
           <a:p>
             <a:fld id="{61EC71F1-B3E0-DD4C-B030-8B42C148BEB6}" type="datetimeFigureOut">
               <a:rPr lang="en-US" smtClean="0"/>
-              <a:t>6/28/16</a:t>
+              <a:t>7/1/16</a:t>
             </a:fld>
             <a:endParaRPr lang="en-US"/>
           </a:p>
@@ -3989,7 +3989,7 @@
         </p:nvSpPr>
         <p:spPr>
           <a:xfrm>
-            <a:off x="2510139" y="1949355"/>
+            <a:off x="2510139" y="2121723"/>
             <a:ext cx="1348375" cy="463487"/>
           </a:xfrm>
           <a:prstGeom prst="roundRect">
@@ -9063,7 +9063,7 @@
         </p:blipFill>
         <p:spPr>
           <a:xfrm>
-            <a:off x="2600840" y="2088307"/>
+            <a:off x="2600840" y="2260675"/>
             <a:ext cx="839806" cy="226514"/>
           </a:xfrm>
           <a:prstGeom prst="rect">
@@ -9079,7 +9079,7 @@
         </p:nvSpPr>
         <p:spPr>
           <a:xfrm>
-            <a:off x="2639431" y="2060834"/>
+            <a:off x="2639431" y="2233202"/>
             <a:ext cx="777911" cy="276999"/>
           </a:xfrm>
           <a:prstGeom prst="rect">
@@ -9116,7 +9116,7 @@
         </p:nvSpPr>
         <p:spPr>
           <a:xfrm>
-            <a:off x="2158819" y="2490199"/>
+            <a:off x="2158819" y="2626279"/>
             <a:ext cx="401092" cy="346221"/>
           </a:xfrm>
           <a:prstGeom prst="decagon">
@@ -9163,8 +9163,8 @@
         </p:nvCxnSpPr>
         <p:spPr>
           <a:xfrm flipH="1" flipV="1">
-            <a:off x="2421337" y="2836420"/>
-            <a:ext cx="3526" cy="1549230"/>
+            <a:off x="2421337" y="2972500"/>
+            <a:ext cx="3526" cy="1413150"/>
           </a:xfrm>
           <a:prstGeom prst="line">
             <a:avLst/>
@@ -9196,15 +9196,15 @@
         <p:nvCxnSpPr>
           <p:cNvPr id="154" name="Straight Connector 153"/>
           <p:cNvCxnSpPr>
-            <a:stCxn id="152" idx="0"/>
-            <a:endCxn id="118" idx="2"/>
+            <a:stCxn id="152" idx="9"/>
+            <a:endCxn id="122" idx="1"/>
           </p:cNvCxnSpPr>
           <p:nvPr/>
         </p:nvCxnSpPr>
         <p:spPr>
           <a:xfrm flipV="1">
-            <a:off x="2521610" y="2314821"/>
-            <a:ext cx="499133" cy="241501"/>
+            <a:off x="2421337" y="2371702"/>
+            <a:ext cx="218094" cy="254577"/>
           </a:xfrm>
           <a:prstGeom prst="line">
             <a:avLst/>

--- a/fig/aws-enterprise-v02.pptx
+++ b/fig/aws-enterprise-v02.pptx
@@ -4251,7 +4251,7 @@
         </p:nvGrpSpPr>
         <p:grpSpPr>
           <a:xfrm>
-            <a:off x="1720112" y="492514"/>
+            <a:off x="1742792" y="492514"/>
             <a:ext cx="8081383" cy="2626011"/>
             <a:chOff x="2549525" y="760413"/>
             <a:chExt cx="1689100" cy="1652298"/>
@@ -6085,8 +6085,8 @@
         </p:nvSpPr>
         <p:spPr>
           <a:xfrm>
-            <a:off x="1594378" y="3660475"/>
-            <a:ext cx="979115" cy="461665"/>
+            <a:off x="1626130" y="3696763"/>
+            <a:ext cx="760251" cy="461665"/>
           </a:xfrm>
           <a:prstGeom prst="rect">
             <a:avLst/>
@@ -6184,12 +6184,12 @@
         </p:nvCxnSpPr>
         <p:spPr>
           <a:xfrm rot="5400000" flipH="1" flipV="1">
-            <a:off x="614945" y="2136197"/>
-            <a:ext cx="1728971" cy="954781"/>
+            <a:off x="674273" y="2031125"/>
+            <a:ext cx="1774717" cy="1119185"/>
           </a:xfrm>
           <a:prstGeom prst="bentConnector3">
             <a:avLst>
-              <a:gd name="adj1" fmla="val 2182"/>
+              <a:gd name="adj1" fmla="val -92"/>
             </a:avLst>
           </a:prstGeom>
           <a:ln>
@@ -6540,7 +6540,7 @@
         </p:nvSpPr>
         <p:spPr>
           <a:xfrm>
-            <a:off x="1842711" y="580270"/>
+            <a:off x="1947039" y="580270"/>
             <a:ext cx="1574631" cy="1168827"/>
           </a:xfrm>
           <a:prstGeom prst="roundRect">
@@ -6739,7 +6739,7 @@
         </p:blipFill>
         <p:spPr>
           <a:xfrm>
-            <a:off x="2059948" y="1067880"/>
+            <a:off x="2164276" y="1067880"/>
             <a:ext cx="1166068" cy="220367"/>
           </a:xfrm>
           <a:prstGeom prst="rect">
@@ -6755,7 +6755,7 @@
         </p:nvGrpSpPr>
         <p:grpSpPr>
           <a:xfrm>
-            <a:off x="1978021" y="792306"/>
+            <a:off x="2082349" y="792306"/>
             <a:ext cx="1373019" cy="845752"/>
             <a:chOff x="6743700" y="677022"/>
             <a:chExt cx="1830368" cy="1816941"/>
@@ -6964,7 +6964,7 @@
         </p:nvSpPr>
         <p:spPr>
           <a:xfrm>
-            <a:off x="2059948" y="1039153"/>
+            <a:off x="2164276" y="1039153"/>
             <a:ext cx="1166068" cy="276999"/>
           </a:xfrm>
           <a:prstGeom prst="rect">
@@ -7016,7 +7016,7 @@
         </p:blipFill>
         <p:spPr>
           <a:xfrm>
-            <a:off x="1800994" y="529518"/>
+            <a:off x="1905322" y="529518"/>
             <a:ext cx="215900" cy="241300"/>
           </a:xfrm>
           <a:prstGeom prst="rect">
@@ -7032,7 +7032,7 @@
         </p:nvSpPr>
         <p:spPr>
           <a:xfrm>
-            <a:off x="3639488" y="580270"/>
+            <a:off x="3675776" y="580270"/>
             <a:ext cx="1871444" cy="2298335"/>
           </a:xfrm>
           <a:prstGeom prst="roundRect">
@@ -7187,7 +7187,7 @@
         </p:nvGrpSpPr>
         <p:grpSpPr>
           <a:xfrm>
-            <a:off x="3737466" y="834823"/>
+            <a:off x="3773754" y="834823"/>
             <a:ext cx="1645197" cy="1960640"/>
             <a:chOff x="463550" y="760414"/>
             <a:chExt cx="1709738" cy="1668737"/>
@@ -7331,7 +7331,7 @@
         </p:blipFill>
         <p:spPr>
           <a:xfrm>
-            <a:off x="4033906" y="1018582"/>
+            <a:off x="4070194" y="1018582"/>
             <a:ext cx="1052372" cy="365463"/>
           </a:xfrm>
           <a:prstGeom prst="rect">
@@ -7347,7 +7347,7 @@
         </p:nvGrpSpPr>
         <p:grpSpPr>
           <a:xfrm>
-            <a:off x="3846398" y="931416"/>
+            <a:off x="3882686" y="931416"/>
             <a:ext cx="1347104" cy="725928"/>
             <a:chOff x="6700479" y="760413"/>
             <a:chExt cx="1795821" cy="1733550"/>
@@ -7556,7 +7556,7 @@
         </p:nvSpPr>
         <p:spPr>
           <a:xfrm>
-            <a:off x="4101628" y="1049080"/>
+            <a:off x="4137916" y="1049080"/>
             <a:ext cx="789937" cy="276999"/>
           </a:xfrm>
           <a:prstGeom prst="rect">
@@ -7607,7 +7607,7 @@
         </p:blipFill>
         <p:spPr>
           <a:xfrm>
-            <a:off x="4032748" y="1881624"/>
+            <a:off x="4069036" y="1881624"/>
             <a:ext cx="1052372" cy="365463"/>
           </a:xfrm>
           <a:prstGeom prst="rect">
@@ -7623,7 +7623,7 @@
         </p:nvGrpSpPr>
         <p:grpSpPr>
           <a:xfrm>
-            <a:off x="3867919" y="1749097"/>
+            <a:off x="3904207" y="1749097"/>
             <a:ext cx="1325584" cy="737797"/>
             <a:chOff x="6730713" y="760413"/>
             <a:chExt cx="1767133" cy="1733550"/>
@@ -7832,7 +7832,7 @@
         </p:nvSpPr>
         <p:spPr>
           <a:xfrm>
-            <a:off x="4100470" y="1866762"/>
+            <a:off x="4136758" y="1866762"/>
             <a:ext cx="789937" cy="276999"/>
           </a:xfrm>
           <a:prstGeom prst="rect">
@@ -7877,7 +7877,7 @@
         </p:blipFill>
         <p:spPr>
           <a:xfrm>
-            <a:off x="3586106" y="502713"/>
+            <a:off x="3622394" y="539001"/>
             <a:ext cx="215900" cy="241300"/>
           </a:xfrm>
           <a:prstGeom prst="rect">
@@ -7893,7 +7893,7 @@
         </p:nvSpPr>
         <p:spPr>
           <a:xfrm>
-            <a:off x="1956822" y="544848"/>
+            <a:off x="2061150" y="544848"/>
             <a:ext cx="1478383" cy="276999"/>
           </a:xfrm>
           <a:prstGeom prst="rect">
@@ -8043,7 +8043,7 @@
         </p:nvSpPr>
         <p:spPr>
           <a:xfrm>
-            <a:off x="3784776" y="544848"/>
+            <a:off x="3821064" y="544848"/>
             <a:ext cx="1732396" cy="276999"/>
           </a:xfrm>
           <a:prstGeom prst="rect">
@@ -9063,7 +9063,7 @@
         </p:blipFill>
         <p:spPr>
           <a:xfrm>
-            <a:off x="2600840" y="2260675"/>
+            <a:off x="2668880" y="2242531"/>
             <a:ext cx="839806" cy="226514"/>
           </a:xfrm>
           <a:prstGeom prst="rect">
@@ -9079,7 +9079,7 @@
         </p:nvSpPr>
         <p:spPr>
           <a:xfrm>
-            <a:off x="2639431" y="2233202"/>
+            <a:off x="2707471" y="2215058"/>
             <a:ext cx="777911" cy="276999"/>
           </a:xfrm>
           <a:prstGeom prst="rect">
@@ -9203,8 +9203,8 @@
         </p:nvCxnSpPr>
         <p:spPr>
           <a:xfrm flipV="1">
-            <a:off x="2421337" y="2371702"/>
-            <a:ext cx="218094" cy="254577"/>
+            <a:off x="2421337" y="2353558"/>
+            <a:ext cx="286134" cy="272721"/>
           </a:xfrm>
           <a:prstGeom prst="line">
             <a:avLst/>
@@ -9411,7 +9411,7 @@
         </p:blipFill>
         <p:spPr>
           <a:xfrm>
-            <a:off x="2243661" y="1324301"/>
+            <a:off x="2347989" y="1324301"/>
             <a:ext cx="839806" cy="226514"/>
           </a:xfrm>
           <a:prstGeom prst="rect">
@@ -9427,7 +9427,7 @@
         </p:nvSpPr>
         <p:spPr>
           <a:xfrm>
-            <a:off x="2243661" y="1303148"/>
+            <a:off x="2347989" y="1303148"/>
             <a:ext cx="777911" cy="276999"/>
           </a:xfrm>
           <a:prstGeom prst="rect">
@@ -9461,13 +9461,14 @@
           <p:cNvPr id="164" name="Straight Connector 163"/>
           <p:cNvCxnSpPr>
             <a:stCxn id="162" idx="3"/>
+            <a:endCxn id="148" idx="1"/>
           </p:cNvCxnSpPr>
           <p:nvPr/>
         </p:nvCxnSpPr>
         <p:spPr>
           <a:xfrm flipV="1">
-            <a:off x="3083467" y="1331224"/>
-            <a:ext cx="784452" cy="106334"/>
+            <a:off x="3187795" y="1294380"/>
+            <a:ext cx="727312" cy="143178"/>
           </a:xfrm>
           <a:prstGeom prst="line">
             <a:avLst/>
@@ -9580,7 +9581,7 @@
         </p:blipFill>
         <p:spPr>
           <a:xfrm>
-            <a:off x="1522151" y="3284604"/>
+            <a:off x="1522151" y="3320892"/>
             <a:ext cx="532112" cy="423719"/>
           </a:xfrm>
           <a:prstGeom prst="rect">
